--- a/AngularJS-Slides.pptx
+++ b/AngularJS-Slides.pptx
@@ -5,7 +5,7 @@
     <p:sldMasterId id="2147484030" r:id="rId1"/>
   </p:sldMasterIdLst>
   <p:notesMasterIdLst>
-    <p:notesMasterId r:id="rId14"/>
+    <p:notesMasterId r:id="rId17"/>
   </p:notesMasterIdLst>
   <p:sldIdLst>
     <p:sldId id="256" r:id="rId2"/>
@@ -20,6 +20,9 @@
     <p:sldId id="260" r:id="rId11"/>
     <p:sldId id="261" r:id="rId12"/>
     <p:sldId id="267" r:id="rId13"/>
+    <p:sldId id="270" r:id="rId14"/>
+    <p:sldId id="268" r:id="rId15"/>
+    <p:sldId id="269" r:id="rId16"/>
   </p:sldIdLst>
   <p:sldSz cx="12192000" cy="6858000"/>
   <p:notesSz cx="6858000" cy="9144000"/>
@@ -118,6 +121,11 @@
       </a:defRPr>
     </a:lvl9pPr>
   </p:defaultTextStyle>
+  <p:extLst>
+    <p:ext uri="{EFAFB233-063F-42B5-8137-9DF3F51BA10A}">
+      <p15:sldGuideLst xmlns:p15="http://schemas.microsoft.com/office/powerpoint/2012/main"/>
+    </p:ext>
+  </p:extLst>
 </p:presentation>
 </file>
 
@@ -203,7 +211,7 @@
           <a:p>
             <a:fld id="{693ACBCC-B31F-4CF7-BF0C-1CF0E128AD0A}" type="datetimeFigureOut">
               <a:rPr lang="en-US" smtClean="0"/>
-              <a:t>3/19/2017</a:t>
+              <a:t>3/20/2017</a:t>
             </a:fld>
             <a:endParaRPr lang="en-US"/>
           </a:p>
@@ -267,38 +275,37 @@
           <a:p>
             <a:pPr lvl="0"/>
             <a:r>
-              <a:rPr lang="en-US" smtClean="0"/>
+              <a:rPr lang="en-US"/>
               <a:t>Click to edit Master text styles</a:t>
             </a:r>
           </a:p>
           <a:p>
             <a:pPr lvl="1"/>
             <a:r>
-              <a:rPr lang="en-US" smtClean="0"/>
+              <a:rPr lang="en-US"/>
               <a:t>Second level</a:t>
             </a:r>
           </a:p>
           <a:p>
             <a:pPr lvl="2"/>
             <a:r>
-              <a:rPr lang="en-US" smtClean="0"/>
+              <a:rPr lang="en-US"/>
               <a:t>Third level</a:t>
             </a:r>
           </a:p>
           <a:p>
             <a:pPr lvl="3"/>
             <a:r>
-              <a:rPr lang="en-US" smtClean="0"/>
+              <a:rPr lang="en-US"/>
               <a:t>Fourth level</a:t>
             </a:r>
           </a:p>
           <a:p>
             <a:pPr lvl="4"/>
             <a:r>
-              <a:rPr lang="en-US" smtClean="0"/>
+              <a:rPr lang="en-US"/>
               <a:t>Fifth level</a:t>
             </a:r>
-            <a:endParaRPr lang="en-US"/>
           </a:p>
         </p:txBody>
       </p:sp>
@@ -600,7 +607,7 @@
           <a:lstStyle/>
           <a:p>
             <a:r>
-              <a:rPr lang="en-US" sz="1200" b="0" i="0" kern="1200" dirty="0" smtClean="0">
+              <a:rPr lang="en-US" sz="1200" b="0" i="0" kern="1200" dirty="0">
                 <a:solidFill>
                   <a:schemeClr val="tx1"/>
                 </a:solidFill>
@@ -612,7 +619,7 @@
               <a:t>Most </a:t>
             </a:r>
             <a:r>
-              <a:rPr lang="en-US" sz="1200" b="0" i="0" kern="1200" dirty="0" err="1" smtClean="0">
+              <a:rPr lang="en-US" sz="1200" b="0" i="0" kern="1200" dirty="0" err="1">
                 <a:solidFill>
                   <a:schemeClr val="tx1"/>
                 </a:solidFill>
@@ -624,7 +631,7 @@
               <a:t>templating</a:t>
             </a:r>
             <a:r>
-              <a:rPr lang="en-US" sz="1200" b="0" i="0" kern="1200" dirty="0" smtClean="0">
+              <a:rPr lang="en-US" sz="1200" b="0" i="0" kern="1200" dirty="0">
                 <a:solidFill>
                   <a:schemeClr val="tx1"/>
                 </a:solidFill>
@@ -638,7 +645,7 @@
           </a:p>
           <a:p>
             <a:r>
-              <a:rPr lang="en-US" sz="1200" b="0" i="0" kern="1200" dirty="0" smtClean="0">
+              <a:rPr lang="en-US" sz="1200" b="0" i="0" kern="1200" dirty="0">
                 <a:solidFill>
                   <a:schemeClr val="tx1"/>
                 </a:solidFill>
@@ -652,7 +659,7 @@
           </a:p>
           <a:p>
             <a:r>
-              <a:rPr lang="en-US" sz="1200" b="0" i="0" kern="1200" dirty="0" smtClean="0">
+              <a:rPr lang="en-US" sz="1200" b="0" i="0" kern="1200" dirty="0">
                 <a:solidFill>
                   <a:schemeClr val="tx1"/>
                 </a:solidFill>
@@ -666,7 +673,7 @@
           </a:p>
           <a:p>
             <a:r>
-              <a:rPr lang="en-US" sz="1200" b="0" i="0" kern="1200" dirty="0" smtClean="0">
+              <a:rPr lang="en-US" sz="1200" b="0" i="0" kern="1200" dirty="0">
                 <a:solidFill>
                   <a:schemeClr val="tx1"/>
                 </a:solidFill>
@@ -680,7 +687,7 @@
           </a:p>
           <a:p>
             <a:r>
-              <a:rPr lang="en-US" sz="1200" b="0" i="0" kern="1200" dirty="0" smtClean="0">
+              <a:rPr lang="en-US" sz="1200" b="0" i="0" kern="1200" dirty="0">
                 <a:solidFill>
                   <a:schemeClr val="tx1"/>
                 </a:solidFill>
@@ -776,7 +783,7 @@
           <a:lstStyle/>
           <a:p>
             <a:r>
-              <a:rPr lang="en-US" sz="1200" b="0" i="0" kern="1200" dirty="0" smtClean="0">
+              <a:rPr lang="en-US" sz="1200" b="0" i="0" kern="1200" dirty="0">
                 <a:solidFill>
                   <a:schemeClr val="tx1"/>
                 </a:solidFill>
@@ -790,7 +797,7 @@
           </a:p>
           <a:p>
             <a:r>
-              <a:rPr lang="en-US" sz="1200" b="0" i="0" kern="1200" dirty="0" smtClean="0">
+              <a:rPr lang="en-US" sz="1200" b="0" i="0" kern="1200" dirty="0">
                 <a:solidFill>
                   <a:schemeClr val="tx1"/>
                 </a:solidFill>
@@ -802,7 +809,7 @@
               <a:t>First the template (which is the </a:t>
             </a:r>
             <a:r>
-              <a:rPr lang="en-US" sz="1200" b="0" i="0" kern="1200" dirty="0" err="1" smtClean="0">
+              <a:rPr lang="en-US" sz="1200" b="0" i="0" kern="1200" dirty="0" err="1">
                 <a:solidFill>
                   <a:schemeClr val="tx1"/>
                 </a:solidFill>
@@ -814,7 +821,7 @@
               <a:t>uncompiled</a:t>
             </a:r>
             <a:r>
-              <a:rPr lang="en-US" sz="1200" b="0" i="0" kern="1200" dirty="0" smtClean="0">
+              <a:rPr lang="en-US" sz="1200" b="0" i="0" kern="1200" dirty="0">
                 <a:solidFill>
                   <a:schemeClr val="tx1"/>
                 </a:solidFill>
@@ -828,7 +835,7 @@
           </a:p>
           <a:p>
             <a:r>
-              <a:rPr lang="en-US" sz="1200" b="0" i="0" kern="1200" dirty="0" smtClean="0">
+              <a:rPr lang="en-US" sz="1200" b="0" i="0" kern="1200" dirty="0">
                 <a:solidFill>
                   <a:schemeClr val="tx1"/>
                 </a:solidFill>
@@ -842,7 +849,7 @@
           </a:p>
           <a:p>
             <a:r>
-              <a:rPr lang="en-US" sz="1200" b="0" i="0" kern="1200" dirty="0" smtClean="0">
+              <a:rPr lang="en-US" sz="1200" b="0" i="0" kern="1200" dirty="0">
                 <a:solidFill>
                   <a:schemeClr val="tx1"/>
                 </a:solidFill>
@@ -892,8 +899,96 @@
 </p:notes>
 </file>
 
+<file path=ppt/notesSlides/notesSlide4.xml><?xml version="1.0" encoding="utf-8"?>
+<p:notes xmlns:a="http://schemas.openxmlformats.org/drawingml/2006/main" xmlns:r="http://schemas.openxmlformats.org/officeDocument/2006/relationships" xmlns:p="http://schemas.openxmlformats.org/presentationml/2006/main">
+  <p:cSld>
+    <p:spTree>
+      <p:nvGrpSpPr>
+        <p:cNvPr id="1" name=""/>
+        <p:cNvGrpSpPr/>
+        <p:nvPr/>
+      </p:nvGrpSpPr>
+      <p:grpSpPr>
+        <a:xfrm>
+          <a:off x="0" y="0"/>
+          <a:ext cx="0" cy="0"/>
+          <a:chOff x="0" y="0"/>
+          <a:chExt cx="0" cy="0"/>
+        </a:xfrm>
+      </p:grpSpPr>
+      <p:sp>
+        <p:nvSpPr>
+          <p:cNvPr id="2" name="Slide Image Placeholder 1"/>
+          <p:cNvSpPr>
+            <a:spLocks noGrp="1" noRot="1" noChangeAspect="1"/>
+          </p:cNvSpPr>
+          <p:nvPr>
+            <p:ph type="sldImg"/>
+          </p:nvPr>
+        </p:nvSpPr>
+        <p:spPr/>
+      </p:sp>
+      <p:sp>
+        <p:nvSpPr>
+          <p:cNvPr id="3" name="Notes Placeholder 2"/>
+          <p:cNvSpPr>
+            <a:spLocks noGrp="1"/>
+          </p:cNvSpPr>
+          <p:nvPr>
+            <p:ph type="body" idx="1"/>
+          </p:nvPr>
+        </p:nvSpPr>
+        <p:spPr/>
+        <p:txBody>
+          <a:bodyPr/>
+          <a:lstStyle/>
+          <a:p>
+            <a:r>
+              <a:rPr lang="en-US" dirty="0"/>
+              <a:t>https://blog.thoughtram.io/angular/2015/07/07/service-vs-factory-once-and-for-all.html</a:t>
+            </a:r>
+            <a:endParaRPr lang="en-US" dirty="0"/>
+          </a:p>
+        </p:txBody>
+      </p:sp>
+      <p:sp>
+        <p:nvSpPr>
+          <p:cNvPr id="4" name="Slide Number Placeholder 3"/>
+          <p:cNvSpPr>
+            <a:spLocks noGrp="1"/>
+          </p:cNvSpPr>
+          <p:nvPr>
+            <p:ph type="sldNum" sz="quarter" idx="10"/>
+          </p:nvPr>
+        </p:nvSpPr>
+        <p:spPr/>
+        <p:txBody>
+          <a:bodyPr/>
+          <a:lstStyle/>
+          <a:p>
+            <a:fld id="{E18E0808-E074-4563-B4EF-4E072B88E775}" type="slidenum">
+              <a:rPr lang="en-US" smtClean="0"/>
+              <a:t>15</a:t>
+            </a:fld>
+            <a:endParaRPr lang="en-US"/>
+          </a:p>
+        </p:txBody>
+      </p:sp>
+    </p:spTree>
+    <p:extLst>
+      <p:ext uri="{BB962C8B-B14F-4D97-AF65-F5344CB8AC3E}">
+        <p14:creationId xmlns:p14="http://schemas.microsoft.com/office/powerpoint/2010/main" val="3072965981"/>
+      </p:ext>
+    </p:extLst>
+  </p:cSld>
+  <p:clrMapOvr>
+    <a:masterClrMapping/>
+  </p:clrMapOvr>
+</p:notes>
+</file>
+
 <file path=ppt/slideLayouts/slideLayout1.xml><?xml version="1.0" encoding="utf-8"?>
-<p:sldLayout xmlns:a="http://schemas.openxmlformats.org/drawingml/2006/main" xmlns:r="http://schemas.openxmlformats.org/officeDocument/2006/relationships" xmlns:p="http://schemas.openxmlformats.org/presentationml/2006/main" type="title" preserve="1">
+<p:sldLayout xmlns:a="http://schemas.openxmlformats.org/drawingml/2006/main" xmlns:r="http://schemas.openxmlformats.org/officeDocument/2006/relationships" xmlns:p="http://schemas.openxmlformats.org/presentationml/2006/main" showMasterSp="0" type="title" preserve="1">
   <p:cSld name="Title Slide">
     <p:spTree>
       <p:nvGrpSpPr>
@@ -934,7 +1029,7 @@
           </a:lstStyle>
           <a:p>
             <a:r>
-              <a:rPr lang="en-US" smtClean="0"/>
+              <a:rPr lang="en-US"/>
               <a:t>Click to edit Master title style</a:t>
             </a:r>
             <a:endParaRPr lang="en-US" dirty="0"/>
@@ -1051,75 +1146,10 @@
           </a:lstStyle>
           <a:p>
             <a:r>
-              <a:rPr lang="en-US" smtClean="0"/>
+              <a:rPr lang="en-US"/>
               <a:t>Click to edit Master subtitle style</a:t>
             </a:r>
             <a:endParaRPr lang="en-US" dirty="0"/>
-          </a:p>
-        </p:txBody>
-      </p:sp>
-      <p:sp>
-        <p:nvSpPr>
-          <p:cNvPr id="4" name="Date Placeholder 3"/>
-          <p:cNvSpPr>
-            <a:spLocks noGrp="1"/>
-          </p:cNvSpPr>
-          <p:nvPr>
-            <p:ph type="dt" sz="half" idx="10"/>
-          </p:nvPr>
-        </p:nvSpPr>
-        <p:spPr/>
-        <p:txBody>
-          <a:bodyPr/>
-          <a:lstStyle/>
-          <a:p>
-            <a:fld id="{2D466799-D915-407B-B733-1CF49555FADD}" type="datetimeFigureOut">
-              <a:rPr lang="en-US" smtClean="0"/>
-              <a:t>3/19/2017</a:t>
-            </a:fld>
-            <a:endParaRPr lang="en-US"/>
-          </a:p>
-        </p:txBody>
-      </p:sp>
-      <p:sp>
-        <p:nvSpPr>
-          <p:cNvPr id="5" name="Footer Placeholder 4"/>
-          <p:cNvSpPr>
-            <a:spLocks noGrp="1"/>
-          </p:cNvSpPr>
-          <p:nvPr>
-            <p:ph type="ftr" sz="quarter" idx="11"/>
-          </p:nvPr>
-        </p:nvSpPr>
-        <p:spPr/>
-        <p:txBody>
-          <a:bodyPr/>
-          <a:lstStyle/>
-          <a:p>
-            <a:endParaRPr lang="en-US"/>
-          </a:p>
-        </p:txBody>
-      </p:sp>
-      <p:sp>
-        <p:nvSpPr>
-          <p:cNvPr id="6" name="Slide Number Placeholder 5"/>
-          <p:cNvSpPr>
-            <a:spLocks noGrp="1"/>
-          </p:cNvSpPr>
-          <p:nvPr>
-            <p:ph type="sldNum" sz="quarter" idx="12"/>
-          </p:nvPr>
-        </p:nvSpPr>
-        <p:spPr/>
-        <p:txBody>
-          <a:bodyPr/>
-          <a:lstStyle/>
-          <a:p>
-            <a:fld id="{5095CC19-D3F3-4F2F-A820-F1886BDE4288}" type="slidenum">
-              <a:rPr lang="en-US" smtClean="0"/>
-              <a:t>‹#›</a:t>
-            </a:fld>
-            <a:endParaRPr lang="en-US"/>
           </a:p>
         </p:txBody>
       </p:sp>
@@ -1180,7 +1210,7 @@
           </a:lstStyle>
           <a:p>
             <a:r>
-              <a:rPr lang="en-US" smtClean="0"/>
+              <a:rPr lang="en-US"/>
               <a:t>Click to edit Master title style</a:t>
             </a:r>
             <a:endParaRPr lang="en-US" dirty="0"/>
@@ -1259,7 +1289,7 @@
           </a:lstStyle>
           <a:p>
             <a:r>
-              <a:rPr lang="en-US" smtClean="0"/>
+              <a:rPr lang="en-US"/>
               <a:t>Click icon to add picture</a:t>
             </a:r>
             <a:endParaRPr lang="en-US" dirty="0"/>
@@ -1327,7 +1357,7 @@
           <a:p>
             <a:pPr lvl="0"/>
             <a:r>
-              <a:rPr lang="en-US" smtClean="0"/>
+              <a:rPr lang="en-US"/>
               <a:t>Click to edit Master text styles</a:t>
             </a:r>
           </a:p>
@@ -1350,7 +1380,7 @@
           <a:p>
             <a:fld id="{2D466799-D915-407B-B733-1CF49555FADD}" type="datetimeFigureOut">
               <a:rPr lang="en-US" smtClean="0"/>
-              <a:t>3/19/2017</a:t>
+              <a:t>3/20/2017</a:t>
             </a:fld>
             <a:endParaRPr lang="en-US"/>
           </a:p>
@@ -1453,7 +1483,7 @@
           </a:lstStyle>
           <a:p>
             <a:r>
-              <a:rPr lang="en-US" smtClean="0"/>
+              <a:rPr lang="en-US"/>
               <a:t>Click to edit Master title style</a:t>
             </a:r>
             <a:endParaRPr lang="en-US" dirty="0"/>
@@ -1521,7 +1551,7 @@
           <a:p>
             <a:pPr lvl="0"/>
             <a:r>
-              <a:rPr lang="en-US" smtClean="0"/>
+              <a:rPr lang="en-US"/>
               <a:t>Click to edit Master text styles</a:t>
             </a:r>
           </a:p>
@@ -1544,7 +1574,7 @@
           <a:p>
             <a:fld id="{2D466799-D915-407B-B733-1CF49555FADD}" type="datetimeFigureOut">
               <a:rPr lang="en-US" smtClean="0"/>
-              <a:t>3/19/2017</a:t>
+              <a:t>3/20/2017</a:t>
             </a:fld>
             <a:endParaRPr lang="en-US"/>
           </a:p>
@@ -1647,7 +1677,7 @@
           </a:lstStyle>
           <a:p>
             <a:r>
-              <a:rPr lang="en-US" smtClean="0"/>
+              <a:rPr lang="en-US"/>
               <a:t>Click to edit Master title style</a:t>
             </a:r>
             <a:endParaRPr lang="en-US" dirty="0"/>
@@ -1722,7 +1752,7 @@
           <a:p>
             <a:pPr lvl="0"/>
             <a:r>
-              <a:rPr lang="en-US" smtClean="0"/>
+              <a:rPr lang="en-US"/>
               <a:t>Click to edit Master text styles</a:t>
             </a:r>
           </a:p>
@@ -1789,7 +1819,7 @@
           <a:p>
             <a:pPr lvl="0"/>
             <a:r>
-              <a:rPr lang="en-US" smtClean="0"/>
+              <a:rPr lang="en-US"/>
               <a:t>Click to edit Master text styles</a:t>
             </a:r>
           </a:p>
@@ -1812,7 +1842,7 @@
           <a:p>
             <a:fld id="{2D466799-D915-407B-B733-1CF49555FADD}" type="datetimeFigureOut">
               <a:rPr lang="en-US" smtClean="0"/>
-              <a:t>3/19/2017</a:t>
+              <a:t>3/20/2017</a:t>
             </a:fld>
             <a:endParaRPr lang="en-US"/>
           </a:p>
@@ -2003,7 +2033,7 @@
           </a:lstStyle>
           <a:p>
             <a:r>
-              <a:rPr lang="en-US" smtClean="0"/>
+              <a:rPr lang="en-US"/>
               <a:t>Click to edit Master title style</a:t>
             </a:r>
             <a:endParaRPr lang="en-US" dirty="0"/>
@@ -2121,7 +2151,7 @@
           <a:p>
             <a:pPr lvl="0"/>
             <a:r>
-              <a:rPr lang="en-US" smtClean="0"/>
+              <a:rPr lang="en-US"/>
               <a:t>Click to edit Master text styles</a:t>
             </a:r>
           </a:p>
@@ -2144,7 +2174,7 @@
           <a:p>
             <a:fld id="{2D466799-D915-407B-B733-1CF49555FADD}" type="datetimeFigureOut">
               <a:rPr lang="en-US" smtClean="0"/>
-              <a:t>3/19/2017</a:t>
+              <a:t>3/20/2017</a:t>
             </a:fld>
             <a:endParaRPr lang="en-US"/>
           </a:p>
@@ -2242,7 +2272,7 @@
           </a:lstStyle>
           <a:p>
             <a:r>
-              <a:rPr lang="en-US" smtClean="0"/>
+              <a:rPr lang="en-US"/>
               <a:t>Click to edit Master title style</a:t>
             </a:r>
             <a:endParaRPr lang="en-US" dirty="0"/>
@@ -2314,7 +2344,7 @@
           <a:p>
             <a:pPr lvl="0"/>
             <a:r>
-              <a:rPr lang="en-US" smtClean="0"/>
+              <a:rPr lang="en-US"/>
               <a:t>Click to edit Master text styles</a:t>
             </a:r>
           </a:p>
@@ -2381,7 +2411,7 @@
           <a:p>
             <a:pPr lvl="0"/>
             <a:r>
-              <a:rPr lang="en-US" smtClean="0"/>
+              <a:rPr lang="en-US"/>
               <a:t>Click to edit Master text styles</a:t>
             </a:r>
           </a:p>
@@ -2452,7 +2482,7 @@
           <a:p>
             <a:pPr lvl="0"/>
             <a:r>
-              <a:rPr lang="en-US" smtClean="0"/>
+              <a:rPr lang="en-US"/>
               <a:t>Click to edit Master text styles</a:t>
             </a:r>
           </a:p>
@@ -2519,7 +2549,7 @@
           <a:p>
             <a:pPr lvl="0"/>
             <a:r>
-              <a:rPr lang="en-US" smtClean="0"/>
+              <a:rPr lang="en-US"/>
               <a:t>Click to edit Master text styles</a:t>
             </a:r>
           </a:p>
@@ -2590,7 +2620,7 @@
           <a:p>
             <a:pPr lvl="0"/>
             <a:r>
-              <a:rPr lang="en-US" smtClean="0"/>
+              <a:rPr lang="en-US"/>
               <a:t>Click to edit Master text styles</a:t>
             </a:r>
           </a:p>
@@ -2657,7 +2687,7 @@
           <a:p>
             <a:pPr lvl="0"/>
             <a:r>
-              <a:rPr lang="en-US" smtClean="0"/>
+              <a:rPr lang="en-US"/>
               <a:t>Click to edit Master text styles</a:t>
             </a:r>
           </a:p>
@@ -2754,7 +2784,7 @@
           <a:p>
             <a:fld id="{2D466799-D915-407B-B733-1CF49555FADD}" type="datetimeFigureOut">
               <a:rPr lang="en-US" smtClean="0"/>
-              <a:t>3/19/2017</a:t>
+              <a:t>3/20/2017</a:t>
             </a:fld>
             <a:endParaRPr lang="en-US"/>
           </a:p>
@@ -2852,7 +2882,7 @@
           </a:lstStyle>
           <a:p>
             <a:r>
-              <a:rPr lang="en-US" smtClean="0"/>
+              <a:rPr lang="en-US"/>
               <a:t>Click to edit Master title style</a:t>
             </a:r>
             <a:endParaRPr lang="en-US" dirty="0"/>
@@ -2924,7 +2954,7 @@
           <a:p>
             <a:pPr lvl="0"/>
             <a:r>
-              <a:rPr lang="en-US" smtClean="0"/>
+              <a:rPr lang="en-US"/>
               <a:t>Click to edit Master text styles</a:t>
             </a:r>
           </a:p>
@@ -3002,7 +3032,7 @@
           </a:lstStyle>
           <a:p>
             <a:r>
-              <a:rPr lang="en-US" smtClean="0"/>
+              <a:rPr lang="en-US"/>
               <a:t>Click icon to add picture</a:t>
             </a:r>
             <a:endParaRPr lang="en-US" dirty="0"/>
@@ -3070,7 +3100,7 @@
           <a:p>
             <a:pPr lvl="0"/>
             <a:r>
-              <a:rPr lang="en-US" smtClean="0"/>
+              <a:rPr lang="en-US"/>
               <a:t>Click to edit Master text styles</a:t>
             </a:r>
           </a:p>
@@ -3141,7 +3171,7 @@
           <a:p>
             <a:pPr lvl="0"/>
             <a:r>
-              <a:rPr lang="en-US" smtClean="0"/>
+              <a:rPr lang="en-US"/>
               <a:t>Click to edit Master text styles</a:t>
             </a:r>
           </a:p>
@@ -3219,7 +3249,7 @@
           </a:lstStyle>
           <a:p>
             <a:r>
-              <a:rPr lang="en-US" smtClean="0"/>
+              <a:rPr lang="en-US"/>
               <a:t>Click icon to add picture</a:t>
             </a:r>
             <a:endParaRPr lang="en-US" dirty="0"/>
@@ -3287,7 +3317,7 @@
           <a:p>
             <a:pPr lvl="0"/>
             <a:r>
-              <a:rPr lang="en-US" smtClean="0"/>
+              <a:rPr lang="en-US"/>
               <a:t>Click to edit Master text styles</a:t>
             </a:r>
           </a:p>
@@ -3358,7 +3388,7 @@
           <a:p>
             <a:pPr lvl="0"/>
             <a:r>
-              <a:rPr lang="en-US" smtClean="0"/>
+              <a:rPr lang="en-US"/>
               <a:t>Click to edit Master text styles</a:t>
             </a:r>
           </a:p>
@@ -3436,7 +3466,7 @@
           </a:lstStyle>
           <a:p>
             <a:r>
-              <a:rPr lang="en-US" smtClean="0"/>
+              <a:rPr lang="en-US"/>
               <a:t>Click icon to add picture</a:t>
             </a:r>
             <a:endParaRPr lang="en-US" dirty="0"/>
@@ -3504,7 +3534,7 @@
           <a:p>
             <a:pPr lvl="0"/>
             <a:r>
-              <a:rPr lang="en-US" smtClean="0"/>
+              <a:rPr lang="en-US"/>
               <a:t>Click to edit Master text styles</a:t>
             </a:r>
           </a:p>
@@ -3601,7 +3631,7 @@
           <a:p>
             <a:fld id="{2D466799-D915-407B-B733-1CF49555FADD}" type="datetimeFigureOut">
               <a:rPr lang="en-US" smtClean="0"/>
-              <a:t>3/19/2017</a:t>
+              <a:t>3/20/2017</a:t>
             </a:fld>
             <a:endParaRPr lang="en-US"/>
           </a:p>
@@ -3695,7 +3725,7 @@
           <a:lstStyle/>
           <a:p>
             <a:r>
-              <a:rPr lang="en-US" smtClean="0"/>
+              <a:rPr lang="en-US"/>
               <a:t>Click to edit Master title style</a:t>
             </a:r>
             <a:endParaRPr lang="en-US" dirty="0"/>
@@ -3719,35 +3749,35 @@
           <a:p>
             <a:pPr lvl="0"/>
             <a:r>
-              <a:rPr lang="en-US" smtClean="0"/>
+              <a:rPr lang="en-US"/>
               <a:t>Click to edit Master text styles</a:t>
             </a:r>
           </a:p>
           <a:p>
             <a:pPr lvl="1"/>
             <a:r>
-              <a:rPr lang="en-US" smtClean="0"/>
+              <a:rPr lang="en-US"/>
               <a:t>Second level</a:t>
             </a:r>
           </a:p>
           <a:p>
             <a:pPr lvl="2"/>
             <a:r>
-              <a:rPr lang="en-US" smtClean="0"/>
+              <a:rPr lang="en-US"/>
               <a:t>Third level</a:t>
             </a:r>
           </a:p>
           <a:p>
             <a:pPr lvl="3"/>
             <a:r>
-              <a:rPr lang="en-US" smtClean="0"/>
+              <a:rPr lang="en-US"/>
               <a:t>Fourth level</a:t>
             </a:r>
           </a:p>
           <a:p>
             <a:pPr lvl="4"/>
             <a:r>
-              <a:rPr lang="en-US" smtClean="0"/>
+              <a:rPr lang="en-US"/>
               <a:t>Fifth level</a:t>
             </a:r>
             <a:endParaRPr lang="en-US" dirty="0"/>
@@ -3771,7 +3801,7 @@
           <a:p>
             <a:fld id="{2D466799-D915-407B-B733-1CF49555FADD}" type="datetimeFigureOut">
               <a:rPr lang="en-US" smtClean="0"/>
-              <a:t>3/19/2017</a:t>
+              <a:t>3/20/2017</a:t>
             </a:fld>
             <a:endParaRPr lang="en-US"/>
           </a:p>
@@ -3870,7 +3900,7 @@
           <a:lstStyle/>
           <a:p>
             <a:r>
-              <a:rPr lang="en-US" smtClean="0"/>
+              <a:rPr lang="en-US"/>
               <a:t>Click to edit Master title style</a:t>
             </a:r>
             <a:endParaRPr lang="en-US" dirty="0"/>
@@ -3899,35 +3929,35 @@
           <a:p>
             <a:pPr lvl="0"/>
             <a:r>
-              <a:rPr lang="en-US" smtClean="0"/>
+              <a:rPr lang="en-US"/>
               <a:t>Click to edit Master text styles</a:t>
             </a:r>
           </a:p>
           <a:p>
             <a:pPr lvl="1"/>
             <a:r>
-              <a:rPr lang="en-US" smtClean="0"/>
+              <a:rPr lang="en-US"/>
               <a:t>Second level</a:t>
             </a:r>
           </a:p>
           <a:p>
             <a:pPr lvl="2"/>
             <a:r>
-              <a:rPr lang="en-US" smtClean="0"/>
+              <a:rPr lang="en-US"/>
               <a:t>Third level</a:t>
             </a:r>
           </a:p>
           <a:p>
             <a:pPr lvl="3"/>
             <a:r>
-              <a:rPr lang="en-US" smtClean="0"/>
+              <a:rPr lang="en-US"/>
               <a:t>Fourth level</a:t>
             </a:r>
           </a:p>
           <a:p>
             <a:pPr lvl="4"/>
             <a:r>
-              <a:rPr lang="en-US" smtClean="0"/>
+              <a:rPr lang="en-US"/>
               <a:t>Fifth level</a:t>
             </a:r>
             <a:endParaRPr lang="en-US" dirty="0"/>
@@ -3951,7 +3981,7 @@
           <a:p>
             <a:fld id="{2D466799-D915-407B-B733-1CF49555FADD}" type="datetimeFigureOut">
               <a:rPr lang="en-US" smtClean="0"/>
-              <a:t>3/19/2017</a:t>
+              <a:t>3/20/2017</a:t>
             </a:fld>
             <a:endParaRPr lang="en-US"/>
           </a:p>
@@ -4013,7 +4043,7 @@
 </file>
 
 <file path=ppt/slideLayouts/slideLayout2.xml><?xml version="1.0" encoding="utf-8"?>
-<p:sldLayout xmlns:a="http://schemas.openxmlformats.org/drawingml/2006/main" xmlns:r="http://schemas.openxmlformats.org/officeDocument/2006/relationships" xmlns:p="http://schemas.openxmlformats.org/presentationml/2006/main" type="obj" preserve="1">
+<p:sldLayout xmlns:a="http://schemas.openxmlformats.org/drawingml/2006/main" xmlns:r="http://schemas.openxmlformats.org/officeDocument/2006/relationships" xmlns:p="http://schemas.openxmlformats.org/presentationml/2006/main" showMasterSp="0" type="obj" preserve="1">
   <p:cSld name="Title and Content">
     <p:spTree>
       <p:nvGrpSpPr>
@@ -4045,7 +4075,7 @@
           <a:lstStyle/>
           <a:p>
             <a:r>
-              <a:rPr lang="en-US" smtClean="0"/>
+              <a:rPr lang="en-US"/>
               <a:t>Click to edit Master title style</a:t>
             </a:r>
             <a:endParaRPr lang="en-US" dirty="0"/>
@@ -4069,106 +4099,71 @@
           <a:p>
             <a:pPr lvl="0"/>
             <a:r>
-              <a:rPr lang="en-US" smtClean="0"/>
+              <a:rPr lang="en-US"/>
               <a:t>Click to edit Master text styles</a:t>
             </a:r>
           </a:p>
           <a:p>
             <a:pPr lvl="1"/>
             <a:r>
-              <a:rPr lang="en-US" smtClean="0"/>
+              <a:rPr lang="en-US"/>
               <a:t>Second level</a:t>
             </a:r>
           </a:p>
           <a:p>
             <a:pPr lvl="2"/>
             <a:r>
-              <a:rPr lang="en-US" smtClean="0"/>
+              <a:rPr lang="en-US"/>
               <a:t>Third level</a:t>
             </a:r>
           </a:p>
           <a:p>
             <a:pPr lvl="3"/>
             <a:r>
-              <a:rPr lang="en-US" smtClean="0"/>
+              <a:rPr lang="en-US"/>
               <a:t>Fourth level</a:t>
             </a:r>
           </a:p>
           <a:p>
             <a:pPr lvl="4"/>
             <a:r>
-              <a:rPr lang="en-US" smtClean="0"/>
+              <a:rPr lang="en-US"/>
               <a:t>Fifth level</a:t>
             </a:r>
             <a:endParaRPr lang="en-US" dirty="0"/>
           </a:p>
         </p:txBody>
       </p:sp>
-      <p:sp>
-        <p:nvSpPr>
-          <p:cNvPr id="7" name="Date Placeholder 6"/>
-          <p:cNvSpPr>
-            <a:spLocks noGrp="1"/>
-          </p:cNvSpPr>
-          <p:nvPr>
-            <p:ph type="dt" sz="half" idx="10"/>
-          </p:nvPr>
-        </p:nvSpPr>
-        <p:spPr/>
-        <p:txBody>
-          <a:bodyPr/>
-          <a:lstStyle/>
-          <a:p>
-            <a:fld id="{2D466799-D915-407B-B733-1CF49555FADD}" type="datetimeFigureOut">
-              <a:rPr lang="en-US" smtClean="0"/>
-              <a:t>3/19/2017</a:t>
-            </a:fld>
-            <a:endParaRPr lang="en-US"/>
-          </a:p>
-        </p:txBody>
-      </p:sp>
-      <p:sp>
-        <p:nvSpPr>
-          <p:cNvPr id="5" name="Footer Placeholder 4"/>
-          <p:cNvSpPr>
-            <a:spLocks noGrp="1"/>
-          </p:cNvSpPr>
-          <p:nvPr>
-            <p:ph type="ftr" sz="quarter" idx="11"/>
-          </p:nvPr>
-        </p:nvSpPr>
-        <p:spPr/>
-        <p:txBody>
-          <a:bodyPr/>
-          <a:lstStyle/>
-          <a:p>
-            <a:endParaRPr lang="en-US"/>
-          </a:p>
-        </p:txBody>
-      </p:sp>
-      <p:sp>
-        <p:nvSpPr>
-          <p:cNvPr id="6" name="Slide Number Placeholder 5"/>
-          <p:cNvSpPr>
-            <a:spLocks noGrp="1"/>
-          </p:cNvSpPr>
-          <p:nvPr>
-            <p:ph type="sldNum" sz="quarter" idx="12"/>
-          </p:nvPr>
-        </p:nvSpPr>
-        <p:spPr/>
-        <p:txBody>
-          <a:bodyPr/>
-          <a:lstStyle/>
-          <a:p>
-            <a:fld id="{5095CC19-D3F3-4F2F-A820-F1886BDE4288}" type="slidenum">
-              <a:rPr lang="en-US" smtClean="0"/>
-              <a:t>‹#›</a:t>
-            </a:fld>
-            <a:endParaRPr lang="en-US"/>
-          </a:p>
-        </p:txBody>
-      </p:sp>
+      <p:pic>
+        <p:nvPicPr>
+          <p:cNvPr id="8" name="Picture 7"/>
+          <p:cNvPicPr>
+            <a:picLocks noChangeAspect="1"/>
+          </p:cNvPicPr>
+          <p:nvPr userDrawn="1"/>
+        </p:nvPicPr>
+        <p:blipFill>
+          <a:blip r:embed="rId2" cstate="print">
+            <a:extLst>
+              <a:ext uri="{28A0092B-C50C-407E-A947-70E740481C1C}">
+                <a14:useLocalDpi xmlns:a14="http://schemas.microsoft.com/office/drawing/2010/main" val="0"/>
+              </a:ext>
+            </a:extLst>
+          </a:blip>
+          <a:stretch>
+            <a:fillRect/>
+          </a:stretch>
+        </p:blipFill>
+        <p:spPr>
+          <a:xfrm>
+            <a:off x="11365524" y="77580"/>
+            <a:ext cx="750276" cy="750276"/>
+          </a:xfrm>
+          <a:prstGeom prst="rect">
+            <a:avLst/>
+          </a:prstGeom>
+        </p:spPr>
+      </p:pic>
     </p:spTree>
     <p:extLst>
       <p:ext uri="{BB962C8B-B14F-4D97-AF65-F5344CB8AC3E}">
@@ -4183,7 +4178,7 @@
 </file>
 
 <file path=ppt/slideLayouts/slideLayout3.xml><?xml version="1.0" encoding="utf-8"?>
-<p:sldLayout xmlns:a="http://schemas.openxmlformats.org/drawingml/2006/main" xmlns:r="http://schemas.openxmlformats.org/officeDocument/2006/relationships" xmlns:p="http://schemas.openxmlformats.org/presentationml/2006/main" type="secHead" preserve="1">
+<p:sldLayout xmlns:a="http://schemas.openxmlformats.org/drawingml/2006/main" xmlns:r="http://schemas.openxmlformats.org/officeDocument/2006/relationships" xmlns:p="http://schemas.openxmlformats.org/presentationml/2006/main" showMasterSp="0" type="secHead" preserve="1">
   <p:cSld name="Section Header">
     <p:spTree>
       <p:nvGrpSpPr>
@@ -4224,7 +4219,7 @@
           </a:lstStyle>
           <a:p>
             <a:r>
-              <a:rPr lang="en-US" smtClean="0"/>
+              <a:rPr lang="en-US"/>
               <a:t>Click to edit Master title style</a:t>
             </a:r>
             <a:endParaRPr lang="en-US" dirty="0"/>
@@ -4342,74 +4337,9 @@
           <a:p>
             <a:pPr lvl="0"/>
             <a:r>
-              <a:rPr lang="en-US" smtClean="0"/>
+              <a:rPr lang="en-US"/>
               <a:t>Click to edit Master text styles</a:t>
             </a:r>
-          </a:p>
-        </p:txBody>
-      </p:sp>
-      <p:sp>
-        <p:nvSpPr>
-          <p:cNvPr id="4" name="Date Placeholder 3"/>
-          <p:cNvSpPr>
-            <a:spLocks noGrp="1"/>
-          </p:cNvSpPr>
-          <p:nvPr>
-            <p:ph type="dt" sz="half" idx="10"/>
-          </p:nvPr>
-        </p:nvSpPr>
-        <p:spPr/>
-        <p:txBody>
-          <a:bodyPr/>
-          <a:lstStyle/>
-          <a:p>
-            <a:fld id="{2D466799-D915-407B-B733-1CF49555FADD}" type="datetimeFigureOut">
-              <a:rPr lang="en-US" smtClean="0"/>
-              <a:t>3/19/2017</a:t>
-            </a:fld>
-            <a:endParaRPr lang="en-US"/>
-          </a:p>
-        </p:txBody>
-      </p:sp>
-      <p:sp>
-        <p:nvSpPr>
-          <p:cNvPr id="5" name="Footer Placeholder 4"/>
-          <p:cNvSpPr>
-            <a:spLocks noGrp="1"/>
-          </p:cNvSpPr>
-          <p:nvPr>
-            <p:ph type="ftr" sz="quarter" idx="11"/>
-          </p:nvPr>
-        </p:nvSpPr>
-        <p:spPr/>
-        <p:txBody>
-          <a:bodyPr/>
-          <a:lstStyle/>
-          <a:p>
-            <a:endParaRPr lang="en-US"/>
-          </a:p>
-        </p:txBody>
-      </p:sp>
-      <p:sp>
-        <p:nvSpPr>
-          <p:cNvPr id="6" name="Slide Number Placeholder 5"/>
-          <p:cNvSpPr>
-            <a:spLocks noGrp="1"/>
-          </p:cNvSpPr>
-          <p:nvPr>
-            <p:ph type="sldNum" sz="quarter" idx="12"/>
-          </p:nvPr>
-        </p:nvSpPr>
-        <p:spPr/>
-        <p:txBody>
-          <a:bodyPr/>
-          <a:lstStyle/>
-          <a:p>
-            <a:fld id="{5095CC19-D3F3-4F2F-A820-F1886BDE4288}" type="slidenum">
-              <a:rPr lang="en-US" smtClean="0"/>
-              <a:t>‹#›</a:t>
-            </a:fld>
-            <a:endParaRPr lang="en-US"/>
           </a:p>
         </p:txBody>
       </p:sp>
@@ -4459,7 +4389,7 @@
           <a:lstStyle/>
           <a:p>
             <a:r>
-              <a:rPr lang="en-US" smtClean="0"/>
+              <a:rPr lang="en-US"/>
               <a:t>Click to edit Master title style</a:t>
             </a:r>
             <a:endParaRPr lang="en-US" dirty="0"/>
@@ -4518,35 +4448,35 @@
           <a:p>
             <a:pPr lvl="0"/>
             <a:r>
-              <a:rPr lang="en-US" smtClean="0"/>
+              <a:rPr lang="en-US"/>
               <a:t>Click to edit Master text styles</a:t>
             </a:r>
           </a:p>
           <a:p>
             <a:pPr lvl="1"/>
             <a:r>
-              <a:rPr lang="en-US" smtClean="0"/>
+              <a:rPr lang="en-US"/>
               <a:t>Second level</a:t>
             </a:r>
           </a:p>
           <a:p>
             <a:pPr lvl="2"/>
             <a:r>
-              <a:rPr lang="en-US" smtClean="0"/>
+              <a:rPr lang="en-US"/>
               <a:t>Third level</a:t>
             </a:r>
           </a:p>
           <a:p>
             <a:pPr lvl="3"/>
             <a:r>
-              <a:rPr lang="en-US" smtClean="0"/>
+              <a:rPr lang="en-US"/>
               <a:t>Fourth level</a:t>
             </a:r>
           </a:p>
           <a:p>
             <a:pPr lvl="4"/>
             <a:r>
-              <a:rPr lang="en-US" smtClean="0"/>
+              <a:rPr lang="en-US"/>
               <a:t>Fifth level</a:t>
             </a:r>
             <a:endParaRPr lang="en-US" dirty="0"/>
@@ -4605,35 +4535,35 @@
           <a:p>
             <a:pPr lvl="0"/>
             <a:r>
-              <a:rPr lang="en-US" smtClean="0"/>
+              <a:rPr lang="en-US"/>
               <a:t>Click to edit Master text styles</a:t>
             </a:r>
           </a:p>
           <a:p>
             <a:pPr lvl="1"/>
             <a:r>
-              <a:rPr lang="en-US" smtClean="0"/>
+              <a:rPr lang="en-US"/>
               <a:t>Second level</a:t>
             </a:r>
           </a:p>
           <a:p>
             <a:pPr lvl="2"/>
             <a:r>
-              <a:rPr lang="en-US" smtClean="0"/>
+              <a:rPr lang="en-US"/>
               <a:t>Third level</a:t>
             </a:r>
           </a:p>
           <a:p>
             <a:pPr lvl="3"/>
             <a:r>
-              <a:rPr lang="en-US" smtClean="0"/>
+              <a:rPr lang="en-US"/>
               <a:t>Fourth level</a:t>
             </a:r>
           </a:p>
           <a:p>
             <a:pPr lvl="4"/>
             <a:r>
-              <a:rPr lang="en-US" smtClean="0"/>
+              <a:rPr lang="en-US"/>
               <a:t>Fifth level</a:t>
             </a:r>
             <a:endParaRPr lang="en-US" dirty="0"/>
@@ -4657,7 +4587,7 @@
           <a:p>
             <a:fld id="{2D466799-D915-407B-B733-1CF49555FADD}" type="datetimeFigureOut">
               <a:rPr lang="en-US" smtClean="0"/>
-              <a:t>3/19/2017</a:t>
+              <a:t>3/20/2017</a:t>
             </a:fld>
             <a:endParaRPr lang="en-US"/>
           </a:p>
@@ -4755,7 +4685,7 @@
           </a:lstStyle>
           <a:p>
             <a:r>
-              <a:rPr lang="en-US" smtClean="0"/>
+              <a:rPr lang="en-US"/>
               <a:t>Click to edit Master title style</a:t>
             </a:r>
             <a:endParaRPr lang="en-US" dirty="0"/>
@@ -4827,7 +4757,7 @@
           <a:p>
             <a:pPr lvl="0"/>
             <a:r>
-              <a:rPr lang="en-US" smtClean="0"/>
+              <a:rPr lang="en-US"/>
               <a:t>Click to edit Master text styles</a:t>
             </a:r>
           </a:p>
@@ -4885,35 +4815,35 @@
           <a:p>
             <a:pPr lvl="0"/>
             <a:r>
-              <a:rPr lang="en-US" smtClean="0"/>
+              <a:rPr lang="en-US"/>
               <a:t>Click to edit Master text styles</a:t>
             </a:r>
           </a:p>
           <a:p>
             <a:pPr lvl="1"/>
             <a:r>
-              <a:rPr lang="en-US" smtClean="0"/>
+              <a:rPr lang="en-US"/>
               <a:t>Second level</a:t>
             </a:r>
           </a:p>
           <a:p>
             <a:pPr lvl="2"/>
             <a:r>
-              <a:rPr lang="en-US" smtClean="0"/>
+              <a:rPr lang="en-US"/>
               <a:t>Third level</a:t>
             </a:r>
           </a:p>
           <a:p>
             <a:pPr lvl="3"/>
             <a:r>
-              <a:rPr lang="en-US" smtClean="0"/>
+              <a:rPr lang="en-US"/>
               <a:t>Fourth level</a:t>
             </a:r>
           </a:p>
           <a:p>
             <a:pPr lvl="4"/>
             <a:r>
-              <a:rPr lang="en-US" smtClean="0"/>
+              <a:rPr lang="en-US"/>
               <a:t>Fifth level</a:t>
             </a:r>
             <a:endParaRPr lang="en-US" dirty="0"/>
@@ -4985,7 +4915,7 @@
           <a:p>
             <a:pPr lvl="0"/>
             <a:r>
-              <a:rPr lang="en-US" smtClean="0"/>
+              <a:rPr lang="en-US"/>
               <a:t>Click to edit Master text styles</a:t>
             </a:r>
           </a:p>
@@ -5043,35 +4973,35 @@
           <a:p>
             <a:pPr lvl="0"/>
             <a:r>
-              <a:rPr lang="en-US" smtClean="0"/>
+              <a:rPr lang="en-US"/>
               <a:t>Click to edit Master text styles</a:t>
             </a:r>
           </a:p>
           <a:p>
             <a:pPr lvl="1"/>
             <a:r>
-              <a:rPr lang="en-US" smtClean="0"/>
+              <a:rPr lang="en-US"/>
               <a:t>Second level</a:t>
             </a:r>
           </a:p>
           <a:p>
             <a:pPr lvl="2"/>
             <a:r>
-              <a:rPr lang="en-US" smtClean="0"/>
+              <a:rPr lang="en-US"/>
               <a:t>Third level</a:t>
             </a:r>
           </a:p>
           <a:p>
             <a:pPr lvl="3"/>
             <a:r>
-              <a:rPr lang="en-US" smtClean="0"/>
+              <a:rPr lang="en-US"/>
               <a:t>Fourth level</a:t>
             </a:r>
           </a:p>
           <a:p>
             <a:pPr lvl="4"/>
             <a:r>
-              <a:rPr lang="en-US" smtClean="0"/>
+              <a:rPr lang="en-US"/>
               <a:t>Fifth level</a:t>
             </a:r>
             <a:endParaRPr lang="en-US" dirty="0"/>
@@ -5095,7 +5025,7 @@
           <a:p>
             <a:fld id="{2D466799-D915-407B-B733-1CF49555FADD}" type="datetimeFigureOut">
               <a:rPr lang="en-US" smtClean="0"/>
-              <a:t>3/19/2017</a:t>
+              <a:t>3/20/2017</a:t>
             </a:fld>
             <a:endParaRPr lang="en-US"/>
           </a:p>
@@ -5189,7 +5119,7 @@
           <a:lstStyle/>
           <a:p>
             <a:r>
-              <a:rPr lang="en-US" smtClean="0"/>
+              <a:rPr lang="en-US"/>
               <a:t>Click to edit Master title style</a:t>
             </a:r>
             <a:endParaRPr lang="en-US" dirty="0"/>
@@ -5213,7 +5143,7 @@
           <a:p>
             <a:fld id="{2D466799-D915-407B-B733-1CF49555FADD}" type="datetimeFigureOut">
               <a:rPr lang="en-US" smtClean="0"/>
-              <a:t>3/19/2017</a:t>
+              <a:t>3/20/2017</a:t>
             </a:fld>
             <a:endParaRPr lang="en-US"/>
           </a:p>
@@ -5308,7 +5238,7 @@
           <a:p>
             <a:fld id="{2D466799-D915-407B-B733-1CF49555FADD}" type="datetimeFigureOut">
               <a:rPr lang="en-US" smtClean="0"/>
-              <a:t>3/19/2017</a:t>
+              <a:t>3/20/2017</a:t>
             </a:fld>
             <a:endParaRPr lang="en-US"/>
           </a:p>
@@ -5411,7 +5341,7 @@
           </a:lstStyle>
           <a:p>
             <a:r>
-              <a:rPr lang="en-US" smtClean="0"/>
+              <a:rPr lang="en-US"/>
               <a:t>Click to edit Master title style</a:t>
             </a:r>
             <a:endParaRPr lang="en-US" dirty="0"/>
@@ -5470,35 +5400,35 @@
           <a:p>
             <a:pPr lvl="0"/>
             <a:r>
-              <a:rPr lang="en-US" smtClean="0"/>
+              <a:rPr lang="en-US"/>
               <a:t>Click to edit Master text styles</a:t>
             </a:r>
           </a:p>
           <a:p>
             <a:pPr lvl="1"/>
             <a:r>
-              <a:rPr lang="en-US" smtClean="0"/>
+              <a:rPr lang="en-US"/>
               <a:t>Second level</a:t>
             </a:r>
           </a:p>
           <a:p>
             <a:pPr lvl="2"/>
             <a:r>
-              <a:rPr lang="en-US" smtClean="0"/>
+              <a:rPr lang="en-US"/>
               <a:t>Third level</a:t>
             </a:r>
           </a:p>
           <a:p>
             <a:pPr lvl="3"/>
             <a:r>
-              <a:rPr lang="en-US" smtClean="0"/>
+              <a:rPr lang="en-US"/>
               <a:t>Fourth level</a:t>
             </a:r>
           </a:p>
           <a:p>
             <a:pPr lvl="4"/>
             <a:r>
-              <a:rPr lang="en-US" smtClean="0"/>
+              <a:rPr lang="en-US"/>
               <a:t>Fifth level</a:t>
             </a:r>
             <a:endParaRPr lang="en-US" dirty="0"/>
@@ -5564,7 +5494,7 @@
           <a:p>
             <a:pPr lvl="0"/>
             <a:r>
-              <a:rPr lang="en-US" smtClean="0"/>
+              <a:rPr lang="en-US"/>
               <a:t>Click to edit Master text styles</a:t>
             </a:r>
           </a:p>
@@ -5587,7 +5517,7 @@
           <a:p>
             <a:fld id="{2D466799-D915-407B-B733-1CF49555FADD}" type="datetimeFigureOut">
               <a:rPr lang="en-US" smtClean="0"/>
-              <a:t>3/19/2017</a:t>
+              <a:t>3/20/2017</a:t>
             </a:fld>
             <a:endParaRPr lang="en-US"/>
           </a:p>
@@ -5692,7 +5622,7 @@
           </a:lstStyle>
           <a:p>
             <a:r>
-              <a:rPr lang="en-US" smtClean="0"/>
+              <a:rPr lang="en-US"/>
               <a:t>Click to edit Master title style</a:t>
             </a:r>
             <a:endParaRPr lang="en-US" dirty="0"/>
@@ -5771,7 +5701,7 @@
           </a:lstStyle>
           <a:p>
             <a:r>
-              <a:rPr lang="en-US" smtClean="0"/>
+              <a:rPr lang="en-US"/>
               <a:t>Click icon to add picture</a:t>
             </a:r>
             <a:endParaRPr lang="en-US" dirty="0"/>
@@ -5839,7 +5769,7 @@
           <a:p>
             <a:pPr lvl="0"/>
             <a:r>
-              <a:rPr lang="en-US" smtClean="0"/>
+              <a:rPr lang="en-US"/>
               <a:t>Click to edit Master text styles</a:t>
             </a:r>
           </a:p>
@@ -5862,7 +5792,7 @@
           <a:p>
             <a:fld id="{2D466799-D915-407B-B733-1CF49555FADD}" type="datetimeFigureOut">
               <a:rPr lang="en-US" smtClean="0"/>
-              <a:t>3/19/2017</a:t>
+              <a:t>3/20/2017</a:t>
             </a:fld>
             <a:endParaRPr lang="en-US"/>
           </a:p>
@@ -6186,7 +6116,7 @@
           <a:lstStyle/>
           <a:p>
             <a:r>
-              <a:rPr lang="en-US" smtClean="0"/>
+              <a:rPr lang="en-US"/>
               <a:t>Click to edit Master title style</a:t>
             </a:r>
             <a:endParaRPr lang="en-US" dirty="0"/>
@@ -6220,35 +6150,35 @@
           <a:p>
             <a:pPr lvl="0"/>
             <a:r>
-              <a:rPr lang="en-US" smtClean="0"/>
+              <a:rPr lang="en-US"/>
               <a:t>Click to edit Master text styles</a:t>
             </a:r>
           </a:p>
           <a:p>
             <a:pPr lvl="1"/>
             <a:r>
-              <a:rPr lang="en-US" smtClean="0"/>
+              <a:rPr lang="en-US"/>
               <a:t>Second level</a:t>
             </a:r>
           </a:p>
           <a:p>
             <a:pPr lvl="2"/>
             <a:r>
-              <a:rPr lang="en-US" smtClean="0"/>
+              <a:rPr lang="en-US"/>
               <a:t>Third level</a:t>
             </a:r>
           </a:p>
           <a:p>
             <a:pPr lvl="3"/>
             <a:r>
-              <a:rPr lang="en-US" smtClean="0"/>
+              <a:rPr lang="en-US"/>
               <a:t>Fourth level</a:t>
             </a:r>
           </a:p>
           <a:p>
             <a:pPr lvl="4"/>
             <a:r>
-              <a:rPr lang="en-US" smtClean="0"/>
+              <a:rPr lang="en-US"/>
               <a:t>Fifth level</a:t>
             </a:r>
             <a:endParaRPr lang="en-US" dirty="0"/>
@@ -6291,7 +6221,7 @@
           <a:p>
             <a:fld id="{2D466799-D915-407B-B733-1CF49555FADD}" type="datetimeFigureOut">
               <a:rPr lang="en-US" smtClean="0"/>
-              <a:t>3/19/2017</a:t>
+              <a:t>3/20/2017</a:t>
             </a:fld>
             <a:endParaRPr lang="en-US"/>
           </a:p>
@@ -6794,46 +6724,116 @@
       </p:grpSpPr>
       <p:sp>
         <p:nvSpPr>
-          <p:cNvPr id="2" name="Title 1"/>
-          <p:cNvSpPr>
-            <a:spLocks noGrp="1"/>
-          </p:cNvSpPr>
-          <p:nvPr>
-            <p:ph type="ctrTitle"/>
-          </p:nvPr>
-        </p:nvSpPr>
-        <p:spPr/>
-        <p:txBody>
-          <a:bodyPr/>
+          <p:cNvPr id="3" name="Subtitle 2"/>
+          <p:cNvSpPr>
+            <a:spLocks noGrp="1"/>
+          </p:cNvSpPr>
+          <p:nvPr>
+            <p:ph type="subTitle" idx="1"/>
+          </p:nvPr>
+        </p:nvSpPr>
+        <p:spPr>
+          <a:xfrm>
+            <a:off x="1154954" y="4777379"/>
+            <a:ext cx="10395361" cy="1418883"/>
+          </a:xfrm>
+        </p:spPr>
+        <p:txBody>
+          <a:bodyPr anchor="b">
+            <a:normAutofit/>
+          </a:bodyPr>
           <a:lstStyle/>
           <a:p>
-            <a:r>
-              <a:rPr lang="en-US" dirty="0" smtClean="0"/>
-              <a:t>AngularJS</a:t>
-            </a:r>
-            <a:endParaRPr lang="en-US" dirty="0"/>
-          </a:p>
-        </p:txBody>
-      </p:sp>
-      <p:sp>
-        <p:nvSpPr>
-          <p:cNvPr id="3" name="Subtitle 2"/>
-          <p:cNvSpPr>
-            <a:spLocks noGrp="1"/>
-          </p:cNvSpPr>
-          <p:nvPr>
-            <p:ph type="subTitle" idx="1"/>
-          </p:nvPr>
-        </p:nvSpPr>
-        <p:spPr/>
-        <p:txBody>
-          <a:bodyPr/>
-          <a:lstStyle/>
-          <a:p>
-            <a:endParaRPr lang="en-US"/>
-          </a:p>
-        </p:txBody>
-      </p:sp>
+            <a:pPr algn="r"/>
+            <a:r>
+              <a:rPr lang="en-US" sz="2400" dirty="0" err="1">
+                <a:solidFill>
+                  <a:schemeClr val="tx1"/>
+                </a:solidFill>
+              </a:rPr>
+              <a:t>Cerino</a:t>
+            </a:r>
+            <a:r>
+              <a:rPr lang="en-US" sz="2400" dirty="0">
+                <a:solidFill>
+                  <a:schemeClr val="tx1"/>
+                </a:solidFill>
+              </a:rPr>
+              <a:t> </a:t>
+            </a:r>
+            <a:r>
+              <a:rPr lang="en-US" sz="2400" dirty="0" err="1">
+                <a:solidFill>
+                  <a:schemeClr val="tx1"/>
+                </a:solidFill>
+              </a:rPr>
+              <a:t>ligutom</a:t>
+            </a:r>
+            <a:r>
+              <a:rPr lang="en-US" sz="2400" dirty="0">
+                <a:solidFill>
+                  <a:schemeClr val="tx1"/>
+                </a:solidFill>
+              </a:rPr>
+              <a:t> III</a:t>
+            </a:r>
+          </a:p>
+          <a:p>
+            <a:pPr algn="r"/>
+            <a:r>
+              <a:rPr lang="en-US" sz="2400" dirty="0">
+                <a:solidFill>
+                  <a:schemeClr val="tx1"/>
+                </a:solidFill>
+              </a:rPr>
+              <a:t>Alexandros </a:t>
+            </a:r>
+            <a:r>
+              <a:rPr lang="en-US" sz="2400" dirty="0" err="1">
+                <a:solidFill>
+                  <a:schemeClr val="tx1"/>
+                </a:solidFill>
+              </a:rPr>
+              <a:t>pappas</a:t>
+            </a:r>
+            <a:endParaRPr lang="en-US" sz="2400" dirty="0">
+              <a:solidFill>
+                <a:schemeClr val="tx1"/>
+              </a:solidFill>
+            </a:endParaRPr>
+          </a:p>
+        </p:txBody>
+      </p:sp>
+      <p:pic>
+        <p:nvPicPr>
+          <p:cNvPr id="5" name="Picture 4"/>
+          <p:cNvPicPr>
+            <a:picLocks noChangeAspect="1"/>
+          </p:cNvPicPr>
+          <p:nvPr/>
+        </p:nvPicPr>
+        <p:blipFill>
+          <a:blip r:embed="rId2">
+            <a:extLst>
+              <a:ext uri="{28A0092B-C50C-407E-A947-70E740481C1C}">
+                <a14:useLocalDpi xmlns:a14="http://schemas.microsoft.com/office/drawing/2010/main" val="0"/>
+              </a:ext>
+            </a:extLst>
+          </a:blip>
+          <a:stretch>
+            <a:fillRect/>
+          </a:stretch>
+        </p:blipFill>
+        <p:spPr>
+          <a:xfrm>
+            <a:off x="946417" y="1447800"/>
+            <a:ext cx="10158730" cy="2704762"/>
+          </a:xfrm>
+          <a:prstGeom prst="rect">
+            <a:avLst/>
+          </a:prstGeom>
+        </p:spPr>
+      </p:pic>
     </p:spTree>
     <p:extLst>
       <p:ext uri="{BB962C8B-B14F-4D97-AF65-F5344CB8AC3E}">
@@ -6844,13 +6844,6 @@
   <p:clrMapOvr>
     <a:masterClrMapping/>
   </p:clrMapOvr>
-  <p:timing>
-    <p:tnLst>
-      <p:par>
-        <p:cTn id="1" dur="indefinite" restart="never" nodeType="tmRoot"/>
-      </p:par>
-    </p:tnLst>
-  </p:timing>
 </p:sld>
 </file>
 
@@ -6887,10 +6880,9 @@
           <a:lstStyle/>
           <a:p>
             <a:r>
-              <a:rPr lang="en-US" dirty="0" smtClean="0"/>
+              <a:rPr lang="en-US" dirty="0"/>
               <a:t>Data Binding in Classical Template Systems</a:t>
             </a:r>
-            <a:endParaRPr lang="en-US" dirty="0"/>
           </a:p>
         </p:txBody>
       </p:sp>
@@ -6947,13 +6939,6 @@
   <p:clrMapOvr>
     <a:masterClrMapping/>
   </p:clrMapOvr>
-  <p:timing>
-    <p:tnLst>
-      <p:par>
-        <p:cTn id="1" dur="indefinite" restart="never" nodeType="tmRoot"/>
-      </p:par>
-    </p:tnLst>
-  </p:timing>
 </p:sld>
 </file>
 
@@ -6990,10 +6975,9 @@
           <a:lstStyle/>
           <a:p>
             <a:r>
-              <a:rPr lang="en-US" dirty="0" smtClean="0"/>
+              <a:rPr lang="en-US" dirty="0"/>
               <a:t>Data Binding in AngularJS Templates</a:t>
             </a:r>
-            <a:endParaRPr lang="en-US" dirty="0"/>
           </a:p>
         </p:txBody>
       </p:sp>
@@ -7050,13 +7034,6 @@
   <p:clrMapOvr>
     <a:masterClrMapping/>
   </p:clrMapOvr>
-  <p:timing>
-    <p:tnLst>
-      <p:par>
-        <p:cTn id="1" dur="indefinite" restart="never" nodeType="tmRoot"/>
-      </p:par>
-    </p:tnLst>
-  </p:timing>
 </p:sld>
 </file>
 
@@ -7098,10 +7075,9 @@
           <a:lstStyle/>
           <a:p>
             <a:r>
-              <a:rPr lang="en-US" dirty="0" smtClean="0"/>
+              <a:rPr lang="en-US" dirty="0"/>
               <a:t>AngularJS Expressions and Interpolation</a:t>
             </a:r>
-            <a:endParaRPr lang="en-US" dirty="0"/>
           </a:p>
         </p:txBody>
       </p:sp>
@@ -7121,56 +7097,56 @@
           <a:lstStyle/>
           <a:p>
             <a:r>
-              <a:rPr lang="en-US" dirty="0" smtClean="0"/>
+              <a:rPr lang="en-US" dirty="0"/>
               <a:t>AngularJS expressions are JavaScript-like code snippets that are mainly placed in interpolation bindings.</a:t>
             </a:r>
           </a:p>
           <a:p>
             <a:pPr lvl="1"/>
             <a:r>
-              <a:rPr lang="en-US" dirty="0" smtClean="0"/>
+              <a:rPr lang="en-US" dirty="0"/>
               <a:t>{{ text }}</a:t>
             </a:r>
           </a:p>
           <a:p>
             <a:pPr lvl="2"/>
             <a:r>
-              <a:rPr lang="en-US" dirty="0" smtClean="0"/>
+              <a:rPr lang="en-US" dirty="0"/>
               <a:t>Where text is a variable assigned with a value in the controller</a:t>
             </a:r>
           </a:p>
           <a:p>
             <a:pPr lvl="1"/>
             <a:r>
-              <a:rPr lang="en-US" dirty="0" smtClean="0"/>
+              <a:rPr lang="en-US" dirty="0"/>
               <a:t>Examples of valid expressions:</a:t>
             </a:r>
           </a:p>
           <a:p>
             <a:pPr lvl="2"/>
             <a:r>
-              <a:rPr lang="en-US" dirty="0" smtClean="0"/>
+              <a:rPr lang="en-US" dirty="0"/>
               <a:t>{{ 1 + 2 }}</a:t>
             </a:r>
           </a:p>
           <a:p>
             <a:pPr lvl="2"/>
             <a:r>
-              <a:rPr lang="en-US" dirty="0" smtClean="0"/>
+              <a:rPr lang="en-US" dirty="0"/>
               <a:t>{{ a + b }}</a:t>
             </a:r>
           </a:p>
           <a:p>
             <a:pPr lvl="2"/>
             <a:r>
-              <a:rPr lang="en-US" dirty="0" smtClean="0"/>
+              <a:rPr lang="en-US" dirty="0"/>
               <a:t>{{ user.name }}	// Assuming user is an object, we access the name property</a:t>
             </a:r>
           </a:p>
           <a:p>
             <a:pPr lvl="2"/>
             <a:r>
-              <a:rPr lang="en-US" dirty="0" smtClean="0"/>
+              <a:rPr lang="en-US" dirty="0"/>
               <a:t>{{ items[index] }}</a:t>
             </a:r>
           </a:p>
@@ -7186,13 +7162,759 @@
   <p:clrMapOvr>
     <a:masterClrMapping/>
   </p:clrMapOvr>
-  <p:timing>
-    <p:tnLst>
-      <p:par>
-        <p:cTn id="1" dur="indefinite" restart="never" nodeType="tmRoot"/>
-      </p:par>
-    </p:tnLst>
-  </p:timing>
+</p:sld>
+</file>
+
+<file path=ppt/slides/slide13.xml><?xml version="1.0" encoding="utf-8"?>
+<p:sld xmlns:a="http://schemas.openxmlformats.org/drawingml/2006/main" xmlns:r="http://schemas.openxmlformats.org/officeDocument/2006/relationships" xmlns:p="http://schemas.openxmlformats.org/presentationml/2006/main">
+  <p:cSld>
+    <p:spTree>
+      <p:nvGrpSpPr>
+        <p:cNvPr id="1" name=""/>
+        <p:cNvGrpSpPr/>
+        <p:nvPr/>
+      </p:nvGrpSpPr>
+      <p:grpSpPr>
+        <a:xfrm>
+          <a:off x="0" y="0"/>
+          <a:ext cx="0" cy="0"/>
+          <a:chOff x="0" y="0"/>
+          <a:chExt cx="0" cy="0"/>
+        </a:xfrm>
+      </p:grpSpPr>
+      <p:sp>
+        <p:nvSpPr>
+          <p:cNvPr id="2" name="Title 1"/>
+          <p:cNvSpPr>
+            <a:spLocks noGrp="1"/>
+          </p:cNvSpPr>
+          <p:nvPr>
+            <p:ph type="title"/>
+          </p:nvPr>
+        </p:nvSpPr>
+        <p:spPr/>
+        <p:txBody>
+          <a:bodyPr/>
+          <a:lstStyle/>
+          <a:p>
+            <a:r>
+              <a:rPr lang="en-US" dirty="0"/>
+              <a:t>Factory</a:t>
+            </a:r>
+          </a:p>
+        </p:txBody>
+      </p:sp>
+      <p:sp>
+        <p:nvSpPr>
+          <p:cNvPr id="3" name="Content Placeholder 2"/>
+          <p:cNvSpPr>
+            <a:spLocks noGrp="1"/>
+          </p:cNvSpPr>
+          <p:nvPr>
+            <p:ph idx="1"/>
+          </p:nvPr>
+        </p:nvSpPr>
+        <p:spPr>
+          <a:xfrm>
+            <a:off x="1103312" y="1335506"/>
+            <a:ext cx="9917614" cy="4912894"/>
+          </a:xfrm>
+        </p:spPr>
+        <p:txBody>
+          <a:bodyPr>
+            <a:normAutofit/>
+          </a:bodyPr>
+          <a:lstStyle/>
+          <a:p>
+            <a:pPr marL="0" indent="0">
+              <a:buNone/>
+            </a:pPr>
+            <a:r>
+              <a:rPr lang="en-US" sz="2400" b="1" dirty="0"/>
+              <a:t>.factory() </a:t>
+            </a:r>
+            <a:r>
+              <a:rPr lang="en-US" sz="2400" dirty="0"/>
+              <a:t>is a method on our module that takes a name and a function that defines the service. Once defined, we can inject and use that particular service in other components, like controllers , directives, and others like this:</a:t>
+            </a:r>
+          </a:p>
+          <a:p>
+            <a:pPr marL="0" indent="0">
+              <a:buNone/>
+            </a:pPr>
+            <a:endParaRPr lang="en-US" sz="2400" dirty="0"/>
+          </a:p>
+          <a:p>
+            <a:pPr marL="0" indent="0">
+              <a:buNone/>
+            </a:pPr>
+            <a:r>
+              <a:rPr lang="en-US" sz="2400" dirty="0" err="1">
+                <a:solidFill>
+                  <a:schemeClr val="accent6">
+                    <a:lumMod val="75000"/>
+                  </a:schemeClr>
+                </a:solidFill>
+              </a:rPr>
+              <a:t>var</a:t>
+            </a:r>
+            <a:r>
+              <a:rPr lang="en-US" sz="2400" dirty="0"/>
+              <a:t> app = </a:t>
+            </a:r>
+            <a:r>
+              <a:rPr lang="en-US" sz="2400" dirty="0" err="1">
+                <a:solidFill>
+                  <a:schemeClr val="accent6">
+                    <a:lumMod val="60000"/>
+                    <a:lumOff val="40000"/>
+                  </a:schemeClr>
+                </a:solidFill>
+              </a:rPr>
+              <a:t>angular</a:t>
+            </a:r>
+            <a:r>
+              <a:rPr lang="en-US" sz="2400" dirty="0" err="1"/>
+              <a:t>.</a:t>
+            </a:r>
+            <a:r>
+              <a:rPr lang="en-US" sz="2400" dirty="0" err="1">
+                <a:solidFill>
+                  <a:srgbClr val="F3EB47"/>
+                </a:solidFill>
+              </a:rPr>
+              <a:t>module</a:t>
+            </a:r>
+            <a:r>
+              <a:rPr lang="en-US" sz="2400" dirty="0"/>
+              <a:t>(</a:t>
+            </a:r>
+            <a:r>
+              <a:rPr lang="en-US" sz="2400" dirty="0">
+                <a:solidFill>
+                  <a:srgbClr val="FF7619"/>
+                </a:solidFill>
+              </a:rPr>
+              <a:t>‘</a:t>
+            </a:r>
+            <a:r>
+              <a:rPr lang="en-US" sz="2400" dirty="0" err="1">
+                <a:solidFill>
+                  <a:srgbClr val="FF7619"/>
+                </a:solidFill>
+              </a:rPr>
+              <a:t>myApp</a:t>
+            </a:r>
+            <a:r>
+              <a:rPr lang="en-US" sz="2400" dirty="0">
+                <a:solidFill>
+                  <a:srgbClr val="FF7619"/>
+                </a:solidFill>
+              </a:rPr>
+              <a:t>', </a:t>
+            </a:r>
+            <a:r>
+              <a:rPr lang="en-US" sz="2400" dirty="0"/>
+              <a:t>[]);</a:t>
+            </a:r>
+            <a:br>
+              <a:rPr lang="en-US" sz="2400" dirty="0"/>
+            </a:br>
+            <a:endParaRPr lang="en-US" sz="2400" dirty="0"/>
+          </a:p>
+          <a:p>
+            <a:pPr marL="0" indent="0">
+              <a:buNone/>
+            </a:pPr>
+            <a:r>
+              <a:rPr lang="en-US" sz="2400" dirty="0" err="1"/>
+              <a:t>app.</a:t>
+            </a:r>
+            <a:r>
+              <a:rPr lang="en-US" sz="2400" dirty="0" err="1">
+                <a:solidFill>
+                  <a:srgbClr val="F3EB47"/>
+                </a:solidFill>
+              </a:rPr>
+              <a:t>controller</a:t>
+            </a:r>
+            <a:r>
+              <a:rPr lang="en-US" sz="2400" dirty="0"/>
+              <a:t>(</a:t>
+            </a:r>
+            <a:r>
+              <a:rPr lang="en-US" sz="2400" dirty="0">
+                <a:solidFill>
+                  <a:srgbClr val="FF7619"/>
+                </a:solidFill>
+              </a:rPr>
+              <a:t>'</a:t>
+            </a:r>
+            <a:r>
+              <a:rPr lang="en-US" sz="2400" dirty="0" err="1">
+                <a:solidFill>
+                  <a:srgbClr val="FF7619"/>
+                </a:solidFill>
+              </a:rPr>
+              <a:t>AppController</a:t>
+            </a:r>
+            <a:r>
+              <a:rPr lang="en-US" sz="2400" dirty="0">
+                <a:solidFill>
+                  <a:srgbClr val="FF7619"/>
+                </a:solidFill>
+              </a:rPr>
+              <a:t>'</a:t>
+            </a:r>
+            <a:r>
+              <a:rPr lang="en-US" sz="2400" dirty="0"/>
+              <a:t> ,</a:t>
+            </a:r>
+            <a:r>
+              <a:rPr lang="en-US" sz="2400" dirty="0">
+                <a:solidFill>
+                  <a:srgbClr val="FF7619"/>
+                </a:solidFill>
+              </a:rPr>
+              <a:t> </a:t>
+            </a:r>
+            <a:r>
+              <a:rPr lang="en-US" sz="2400" dirty="0">
+                <a:solidFill>
+                  <a:schemeClr val="accent6">
+                    <a:lumMod val="75000"/>
+                  </a:schemeClr>
+                </a:solidFill>
+              </a:rPr>
+              <a:t>function</a:t>
+            </a:r>
+            <a:r>
+              <a:rPr lang="en-US" sz="2400" dirty="0"/>
+              <a:t>(</a:t>
+            </a:r>
+            <a:r>
+              <a:rPr lang="en-US" sz="2400" dirty="0">
+                <a:solidFill>
+                  <a:schemeClr val="accent6">
+                    <a:lumMod val="60000"/>
+                    <a:lumOff val="40000"/>
+                  </a:schemeClr>
+                </a:solidFill>
+              </a:rPr>
+              <a:t>$scope</a:t>
+            </a:r>
+            <a:r>
+              <a:rPr lang="en-US" sz="2400" dirty="0"/>
+              <a:t>,</a:t>
+            </a:r>
+            <a:r>
+              <a:rPr lang="en-US" sz="2400" dirty="0">
+                <a:solidFill>
+                  <a:schemeClr val="accent6">
+                    <a:lumMod val="60000"/>
+                    <a:lumOff val="40000"/>
+                  </a:schemeClr>
+                </a:solidFill>
+              </a:rPr>
+              <a:t> </a:t>
+            </a:r>
+            <a:r>
+              <a:rPr lang="en-US" sz="2400" dirty="0" err="1">
+                <a:solidFill>
+                  <a:schemeClr val="accent6">
+                    <a:lumMod val="60000"/>
+                    <a:lumOff val="40000"/>
+                  </a:schemeClr>
+                </a:solidFill>
+              </a:rPr>
+              <a:t>myFactory</a:t>
+            </a:r>
+            <a:r>
+              <a:rPr lang="en-US" sz="2400" dirty="0"/>
+              <a:t>) {</a:t>
+            </a:r>
+          </a:p>
+          <a:p>
+            <a:pPr marL="0" indent="0">
+              <a:buNone/>
+            </a:pPr>
+            <a:r>
+              <a:rPr lang="en-US" sz="2400" dirty="0"/>
+              <a:t> </a:t>
+            </a:r>
+            <a:r>
+              <a:rPr lang="en-US" sz="2400" dirty="0">
+                <a:solidFill>
+                  <a:schemeClr val="accent6">
+                    <a:lumMod val="60000"/>
+                    <a:lumOff val="40000"/>
+                  </a:schemeClr>
+                </a:solidFill>
+              </a:rPr>
+              <a:t>$</a:t>
+            </a:r>
+            <a:r>
+              <a:rPr lang="en-US" sz="2400" dirty="0" err="1">
+                <a:solidFill>
+                  <a:schemeClr val="accent6">
+                    <a:lumMod val="60000"/>
+                    <a:lumOff val="40000"/>
+                  </a:schemeClr>
+                </a:solidFill>
+              </a:rPr>
+              <a:t>scope.data</a:t>
+            </a:r>
+            <a:r>
+              <a:rPr lang="en-US" sz="2400" dirty="0">
+                <a:solidFill>
+                  <a:schemeClr val="accent6">
+                    <a:lumMod val="60000"/>
+                    <a:lumOff val="40000"/>
+                  </a:schemeClr>
+                </a:solidFill>
+              </a:rPr>
+              <a:t> </a:t>
+            </a:r>
+            <a:r>
+              <a:rPr lang="en-US" sz="2400" dirty="0"/>
+              <a:t>= </a:t>
+            </a:r>
+            <a:r>
+              <a:rPr lang="en-US" sz="2400" dirty="0" err="1">
+                <a:solidFill>
+                  <a:schemeClr val="accent6">
+                    <a:lumMod val="60000"/>
+                    <a:lumOff val="40000"/>
+                  </a:schemeClr>
+                </a:solidFill>
+              </a:rPr>
+              <a:t>myFactory</a:t>
+            </a:r>
+            <a:r>
+              <a:rPr lang="en-US" sz="2400" dirty="0" err="1"/>
+              <a:t>.getData</a:t>
+            </a:r>
+            <a:r>
+              <a:rPr lang="en-US" sz="2400" dirty="0"/>
+              <a:t>();</a:t>
+            </a:r>
+          </a:p>
+          <a:p>
+            <a:pPr marL="0" indent="0">
+              <a:buNone/>
+            </a:pPr>
+            <a:r>
+              <a:rPr lang="en-US" sz="2400" dirty="0"/>
+              <a:t>});</a:t>
+            </a:r>
+          </a:p>
+        </p:txBody>
+      </p:sp>
+    </p:spTree>
+    <p:extLst>
+      <p:ext uri="{BB962C8B-B14F-4D97-AF65-F5344CB8AC3E}">
+        <p14:creationId xmlns:p14="http://schemas.microsoft.com/office/powerpoint/2010/main" val="548374032"/>
+      </p:ext>
+    </p:extLst>
+  </p:cSld>
+  <p:clrMapOvr>
+    <a:masterClrMapping/>
+  </p:clrMapOvr>
+</p:sld>
+</file>
+
+<file path=ppt/slides/slide14.xml><?xml version="1.0" encoding="utf-8"?>
+<p:sld xmlns:a="http://schemas.openxmlformats.org/drawingml/2006/main" xmlns:r="http://schemas.openxmlformats.org/officeDocument/2006/relationships" xmlns:p="http://schemas.openxmlformats.org/presentationml/2006/main">
+  <p:cSld>
+    <p:spTree>
+      <p:nvGrpSpPr>
+        <p:cNvPr id="1" name=""/>
+        <p:cNvGrpSpPr/>
+        <p:nvPr/>
+      </p:nvGrpSpPr>
+      <p:grpSpPr>
+        <a:xfrm>
+          <a:off x="0" y="0"/>
+          <a:ext cx="0" cy="0"/>
+          <a:chOff x="0" y="0"/>
+          <a:chExt cx="0" cy="0"/>
+        </a:xfrm>
+      </p:grpSpPr>
+      <p:sp>
+        <p:nvSpPr>
+          <p:cNvPr id="2" name="Title 1"/>
+          <p:cNvSpPr>
+            <a:spLocks noGrp="1"/>
+          </p:cNvSpPr>
+          <p:nvPr>
+            <p:ph type="title"/>
+          </p:nvPr>
+        </p:nvSpPr>
+        <p:spPr/>
+        <p:txBody>
+          <a:bodyPr/>
+          <a:lstStyle/>
+          <a:p>
+            <a:r>
+              <a:rPr lang="en-US" dirty="0"/>
+              <a:t>Service</a:t>
+            </a:r>
+          </a:p>
+        </p:txBody>
+      </p:sp>
+      <p:sp>
+        <p:nvSpPr>
+          <p:cNvPr id="3" name="Content Placeholder 2"/>
+          <p:cNvSpPr>
+            <a:spLocks noGrp="1"/>
+          </p:cNvSpPr>
+          <p:nvPr>
+            <p:ph idx="1"/>
+          </p:nvPr>
+        </p:nvSpPr>
+        <p:spPr>
+          <a:xfrm>
+            <a:off x="1103312" y="1455822"/>
+            <a:ext cx="9749172" cy="4792578"/>
+          </a:xfrm>
+        </p:spPr>
+        <p:txBody>
+          <a:bodyPr>
+            <a:normAutofit/>
+          </a:bodyPr>
+          <a:lstStyle/>
+          <a:p>
+            <a:pPr marL="0" indent="0">
+              <a:buNone/>
+            </a:pPr>
+            <a:r>
+              <a:rPr lang="en-US" sz="2400" dirty="0"/>
+              <a:t>The same thing as a factory, a </a:t>
+            </a:r>
+            <a:r>
+              <a:rPr lang="en-US" sz="2400" b="1" dirty="0"/>
+              <a:t>.service() </a:t>
+            </a:r>
+            <a:r>
+              <a:rPr lang="en-US" sz="2400" dirty="0"/>
+              <a:t>is a method on our module and it also takes a name and a function, that defines the service. We can inject and use that thing exactly the same way we did with the factory.</a:t>
+            </a:r>
+            <a:br>
+              <a:rPr lang="en-US" sz="2400" dirty="0"/>
+            </a:br>
+            <a:endParaRPr lang="en-US" sz="2400" dirty="0"/>
+          </a:p>
+          <a:p>
+            <a:pPr marL="0" indent="0">
+              <a:buNone/>
+            </a:pPr>
+            <a:r>
+              <a:rPr lang="en-US" sz="2400" dirty="0" err="1"/>
+              <a:t>app.</a:t>
+            </a:r>
+            <a:r>
+              <a:rPr lang="en-US" sz="2400" dirty="0" err="1">
+                <a:solidFill>
+                  <a:srgbClr val="F3EB47"/>
+                </a:solidFill>
+              </a:rPr>
+              <a:t>controller</a:t>
+            </a:r>
+            <a:r>
+              <a:rPr lang="en-US" sz="2400" dirty="0"/>
+              <a:t>(</a:t>
+            </a:r>
+            <a:r>
+              <a:rPr lang="en-US" sz="2400" dirty="0">
+                <a:solidFill>
+                  <a:srgbClr val="FF7619"/>
+                </a:solidFill>
+              </a:rPr>
+              <a:t>'</a:t>
+            </a:r>
+            <a:r>
+              <a:rPr lang="en-US" sz="2400" dirty="0" err="1">
+                <a:solidFill>
+                  <a:srgbClr val="FF7619"/>
+                </a:solidFill>
+              </a:rPr>
+              <a:t>AppController</a:t>
+            </a:r>
+            <a:r>
+              <a:rPr lang="en-US" sz="2400" dirty="0">
+                <a:solidFill>
+                  <a:srgbClr val="FF7619"/>
+                </a:solidFill>
+              </a:rPr>
+              <a:t>'</a:t>
+            </a:r>
+            <a:r>
+              <a:rPr lang="en-US" sz="2400" dirty="0"/>
+              <a:t> ,</a:t>
+            </a:r>
+            <a:r>
+              <a:rPr lang="en-US" sz="2400" dirty="0">
+                <a:solidFill>
+                  <a:srgbClr val="FF7619"/>
+                </a:solidFill>
+              </a:rPr>
+              <a:t> </a:t>
+            </a:r>
+            <a:r>
+              <a:rPr lang="en-US" sz="2400" dirty="0">
+                <a:solidFill>
+                  <a:schemeClr val="accent6">
+                    <a:lumMod val="75000"/>
+                  </a:schemeClr>
+                </a:solidFill>
+              </a:rPr>
+              <a:t>function</a:t>
+            </a:r>
+            <a:r>
+              <a:rPr lang="en-US" sz="2400" dirty="0"/>
+              <a:t>(</a:t>
+            </a:r>
+            <a:r>
+              <a:rPr lang="en-US" sz="2400" dirty="0">
+                <a:solidFill>
+                  <a:schemeClr val="accent6">
+                    <a:lumMod val="60000"/>
+                    <a:lumOff val="40000"/>
+                  </a:schemeClr>
+                </a:solidFill>
+              </a:rPr>
+              <a:t>$scope</a:t>
+            </a:r>
+            <a:r>
+              <a:rPr lang="en-US" sz="2400" dirty="0"/>
+              <a:t>,</a:t>
+            </a:r>
+            <a:r>
+              <a:rPr lang="en-US" sz="2400" dirty="0">
+                <a:solidFill>
+                  <a:schemeClr val="accent6">
+                    <a:lumMod val="60000"/>
+                    <a:lumOff val="40000"/>
+                  </a:schemeClr>
+                </a:solidFill>
+              </a:rPr>
+              <a:t> </a:t>
+            </a:r>
+            <a:r>
+              <a:rPr lang="en-US" sz="2400" dirty="0" err="1">
+                <a:solidFill>
+                  <a:schemeClr val="accent6">
+                    <a:lumMod val="60000"/>
+                    <a:lumOff val="40000"/>
+                  </a:schemeClr>
+                </a:solidFill>
+              </a:rPr>
+              <a:t>MyService</a:t>
+            </a:r>
+            <a:r>
+              <a:rPr lang="en-US" sz="2400" dirty="0"/>
+              <a:t>) {</a:t>
+            </a:r>
+          </a:p>
+          <a:p>
+            <a:pPr marL="0" indent="0">
+              <a:buNone/>
+            </a:pPr>
+            <a:r>
+              <a:rPr lang="en-US" sz="2400" dirty="0"/>
+              <a:t> </a:t>
+            </a:r>
+            <a:r>
+              <a:rPr lang="en-US" sz="2400" dirty="0">
+                <a:solidFill>
+                  <a:schemeClr val="accent6">
+                    <a:lumMod val="60000"/>
+                    <a:lumOff val="40000"/>
+                  </a:schemeClr>
+                </a:solidFill>
+              </a:rPr>
+              <a:t>$</a:t>
+            </a:r>
+            <a:r>
+              <a:rPr lang="en-US" sz="2400" dirty="0" err="1">
+                <a:solidFill>
+                  <a:schemeClr val="accent6">
+                    <a:lumMod val="60000"/>
+                    <a:lumOff val="40000"/>
+                  </a:schemeClr>
+                </a:solidFill>
+              </a:rPr>
+              <a:t>scope.data</a:t>
+            </a:r>
+            <a:r>
+              <a:rPr lang="en-US" sz="2400" dirty="0">
+                <a:solidFill>
+                  <a:schemeClr val="accent6">
+                    <a:lumMod val="60000"/>
+                    <a:lumOff val="40000"/>
+                  </a:schemeClr>
+                </a:solidFill>
+              </a:rPr>
+              <a:t> </a:t>
+            </a:r>
+            <a:r>
+              <a:rPr lang="en-US" sz="2400" dirty="0"/>
+              <a:t>= </a:t>
+            </a:r>
+            <a:r>
+              <a:rPr lang="en-US" sz="2400" dirty="0" err="1">
+                <a:solidFill>
+                  <a:schemeClr val="accent6">
+                    <a:lumMod val="60000"/>
+                    <a:lumOff val="40000"/>
+                  </a:schemeClr>
+                </a:solidFill>
+              </a:rPr>
+              <a:t>MyService</a:t>
+            </a:r>
+            <a:r>
+              <a:rPr lang="en-US" sz="2400" dirty="0"/>
+              <a:t>.</a:t>
+            </a:r>
+            <a:r>
+              <a:rPr lang="en-US" sz="2400" dirty="0">
+                <a:solidFill>
+                  <a:srgbClr val="F3EB47"/>
+                </a:solidFill>
+              </a:rPr>
+              <a:t> controller</a:t>
+            </a:r>
+            <a:r>
+              <a:rPr lang="en-US" sz="2400" dirty="0"/>
+              <a:t>();</a:t>
+            </a:r>
+          </a:p>
+          <a:p>
+            <a:pPr marL="0" indent="0">
+              <a:buNone/>
+            </a:pPr>
+            <a:r>
+              <a:rPr lang="en-US" sz="2400" dirty="0"/>
+              <a:t>});</a:t>
+            </a:r>
+            <a:endParaRPr lang="en-US" sz="2400" dirty="0"/>
+          </a:p>
+        </p:txBody>
+      </p:sp>
+    </p:spTree>
+    <p:extLst>
+      <p:ext uri="{BB962C8B-B14F-4D97-AF65-F5344CB8AC3E}">
+        <p14:creationId xmlns:p14="http://schemas.microsoft.com/office/powerpoint/2010/main" val="1588730808"/>
+      </p:ext>
+    </p:extLst>
+  </p:cSld>
+  <p:clrMapOvr>
+    <a:masterClrMapping/>
+  </p:clrMapOvr>
+</p:sld>
+</file>
+
+<file path=ppt/slides/slide15.xml><?xml version="1.0" encoding="utf-8"?>
+<p:sld xmlns:a="http://schemas.openxmlformats.org/drawingml/2006/main" xmlns:r="http://schemas.openxmlformats.org/officeDocument/2006/relationships" xmlns:p="http://schemas.openxmlformats.org/presentationml/2006/main">
+  <p:cSld>
+    <p:spTree>
+      <p:nvGrpSpPr>
+        <p:cNvPr id="1" name=""/>
+        <p:cNvGrpSpPr/>
+        <p:nvPr/>
+      </p:nvGrpSpPr>
+      <p:grpSpPr>
+        <a:xfrm>
+          <a:off x="0" y="0"/>
+          <a:ext cx="0" cy="0"/>
+          <a:chOff x="0" y="0"/>
+          <a:chExt cx="0" cy="0"/>
+        </a:xfrm>
+      </p:grpSpPr>
+      <p:sp>
+        <p:nvSpPr>
+          <p:cNvPr id="2" name="Title 1"/>
+          <p:cNvSpPr>
+            <a:spLocks noGrp="1"/>
+          </p:cNvSpPr>
+          <p:nvPr>
+            <p:ph type="title"/>
+          </p:nvPr>
+        </p:nvSpPr>
+        <p:spPr/>
+        <p:txBody>
+          <a:bodyPr/>
+          <a:lstStyle/>
+          <a:p>
+            <a:r>
+              <a:rPr lang="en-US" dirty="0"/>
+              <a:t>So what is the </a:t>
+            </a:r>
+            <a:r>
+              <a:rPr lang="en-US" dirty="0" err="1"/>
+              <a:t>differene</a:t>
+            </a:r>
+            <a:r>
+              <a:rPr lang="en-US" dirty="0"/>
+              <a:t> between a service and a factory?</a:t>
+            </a:r>
+          </a:p>
+        </p:txBody>
+      </p:sp>
+      <p:sp>
+        <p:nvSpPr>
+          <p:cNvPr id="3" name="Content Placeholder 2"/>
+          <p:cNvSpPr>
+            <a:spLocks noGrp="1"/>
+          </p:cNvSpPr>
+          <p:nvPr>
+            <p:ph idx="1"/>
+          </p:nvPr>
+        </p:nvSpPr>
+        <p:spPr>
+          <a:xfrm>
+            <a:off x="1103312" y="2052918"/>
+            <a:ext cx="8946541" cy="4195481"/>
+          </a:xfrm>
+        </p:spPr>
+        <p:txBody>
+          <a:bodyPr/>
+          <a:lstStyle/>
+          <a:p>
+            <a:r>
+              <a:rPr lang="en-US" dirty="0"/>
+              <a:t>A service is instantiable while a factory is not</a:t>
+            </a:r>
+          </a:p>
+          <a:p>
+            <a:r>
+              <a:rPr lang="en-US" dirty="0"/>
+              <a:t>A service is a constructor function whereas a factory is not.</a:t>
+            </a:r>
+          </a:p>
+          <a:p>
+            <a:r>
+              <a:rPr lang="en-US" dirty="0"/>
+              <a:t>A </a:t>
+            </a:r>
+            <a:r>
+              <a:rPr lang="en-US" dirty="0"/>
+              <a:t>factory function is really just a function that gets called, which is why we have to return an object explicitly.</a:t>
+            </a:r>
+            <a:endParaRPr lang="en-US" dirty="0"/>
+          </a:p>
+        </p:txBody>
+      </p:sp>
+    </p:spTree>
+    <p:extLst>
+      <p:ext uri="{BB962C8B-B14F-4D97-AF65-F5344CB8AC3E}">
+        <p14:creationId xmlns:p14="http://schemas.microsoft.com/office/powerpoint/2010/main" val="3825327055"/>
+      </p:ext>
+    </p:extLst>
+  </p:cSld>
+  <p:clrMapOvr>
+    <a:masterClrMapping/>
+  </p:clrMapOvr>
 </p:sld>
 </file>
 
@@ -7229,10 +7951,9 @@
           <a:lstStyle/>
           <a:p>
             <a:r>
-              <a:rPr lang="en-US" dirty="0" smtClean="0"/>
+              <a:rPr lang="en-US" dirty="0"/>
               <a:t>What is AngularJS?</a:t>
             </a:r>
-            <a:endParaRPr lang="en-US" dirty="0"/>
           </a:p>
         </p:txBody>
       </p:sp>
@@ -7252,49 +7973,49 @@
           <a:lstStyle/>
           <a:p>
             <a:r>
-              <a:rPr lang="en-US" dirty="0" smtClean="0"/>
+              <a:rPr lang="en-US" dirty="0"/>
               <a:t>AngularJS is an open source structural framework for dynamic web apps.</a:t>
             </a:r>
           </a:p>
           <a:p>
             <a:r>
-              <a:rPr lang="en-US" dirty="0" smtClean="0"/>
+              <a:rPr lang="en-US" dirty="0"/>
               <a:t>It lets you use HTML as your template language and lets you extend HTML’s syntax to express your application’s components clearly and succinctly.</a:t>
             </a:r>
           </a:p>
           <a:p>
             <a:r>
-              <a:rPr lang="en-US" dirty="0" smtClean="0"/>
+              <a:rPr lang="en-US" dirty="0"/>
               <a:t>Originally developed in 2009 by </a:t>
             </a:r>
             <a:r>
-              <a:rPr lang="en-US" dirty="0" err="1" smtClean="0"/>
+              <a:rPr lang="en-US" dirty="0" err="1"/>
               <a:t>Misko</a:t>
             </a:r>
             <a:r>
-              <a:rPr lang="en-US" dirty="0" smtClean="0"/>
+              <a:rPr lang="en-US" dirty="0"/>
               <a:t> </a:t>
             </a:r>
             <a:r>
-              <a:rPr lang="en-US" dirty="0" err="1" smtClean="0"/>
+              <a:rPr lang="en-US" dirty="0" err="1"/>
               <a:t>Hevery</a:t>
             </a:r>
             <a:r>
-              <a:rPr lang="en-US" dirty="0" smtClean="0"/>
+              <a:rPr lang="en-US" dirty="0"/>
               <a:t> and Adam </a:t>
             </a:r>
             <a:r>
-              <a:rPr lang="en-US" dirty="0" err="1" smtClean="0"/>
+              <a:rPr lang="en-US" dirty="0" err="1"/>
               <a:t>Abrons</a:t>
             </a:r>
             <a:r>
-              <a:rPr lang="en-US" dirty="0" smtClean="0"/>
+              <a:rPr lang="en-US" dirty="0"/>
               <a:t>.</a:t>
             </a:r>
           </a:p>
           <a:p>
             <a:r>
-              <a:rPr lang="en-US" dirty="0" smtClean="0"/>
+              <a:rPr lang="en-US" dirty="0"/>
               <a:t>Now maintained by google.</a:t>
             </a:r>
           </a:p>
@@ -7310,13 +8031,6 @@
   <p:clrMapOvr>
     <a:masterClrMapping/>
   </p:clrMapOvr>
-  <p:timing>
-    <p:tnLst>
-      <p:par>
-        <p:cTn id="1" dur="indefinite" restart="never" nodeType="tmRoot"/>
-      </p:par>
-    </p:tnLst>
-  </p:timing>
 </p:sld>
 </file>
 
@@ -7353,10 +8067,9 @@
           <a:lstStyle/>
           <a:p>
             <a:r>
-              <a:rPr lang="en-US" dirty="0" smtClean="0"/>
+              <a:rPr lang="en-US" dirty="0"/>
               <a:t>Core Features of AngularJS</a:t>
             </a:r>
-            <a:endParaRPr lang="en-US" dirty="0"/>
           </a:p>
         </p:txBody>
       </p:sp>
@@ -7381,64 +8094,63 @@
           <a:lstStyle/>
           <a:p>
             <a:r>
-              <a:rPr lang="en-US" dirty="0" smtClean="0"/>
+              <a:rPr lang="en-US" dirty="0"/>
               <a:t>Data-binding</a:t>
             </a:r>
           </a:p>
           <a:p>
             <a:r>
-              <a:rPr lang="en-US" dirty="0" smtClean="0"/>
+              <a:rPr lang="en-US" dirty="0"/>
               <a:t>Scope</a:t>
             </a:r>
           </a:p>
           <a:p>
             <a:r>
-              <a:rPr lang="en-US" dirty="0" smtClean="0"/>
+              <a:rPr lang="en-US" dirty="0"/>
               <a:t>Controller</a:t>
             </a:r>
           </a:p>
           <a:p>
             <a:r>
-              <a:rPr lang="en-US" dirty="0" smtClean="0"/>
+              <a:rPr lang="en-US" dirty="0"/>
               <a:t>Services</a:t>
             </a:r>
           </a:p>
           <a:p>
             <a:r>
-              <a:rPr lang="en-US" dirty="0" smtClean="0"/>
+              <a:rPr lang="en-US" dirty="0"/>
               <a:t>Filters</a:t>
             </a:r>
           </a:p>
           <a:p>
             <a:r>
-              <a:rPr lang="en-US" dirty="0" smtClean="0"/>
+              <a:rPr lang="en-US" dirty="0"/>
               <a:t>Directives</a:t>
             </a:r>
           </a:p>
           <a:p>
             <a:r>
-              <a:rPr lang="en-US" dirty="0" smtClean="0"/>
+              <a:rPr lang="en-US" dirty="0"/>
               <a:t>Templates</a:t>
             </a:r>
           </a:p>
           <a:p>
             <a:r>
-              <a:rPr lang="en-US" dirty="0" smtClean="0"/>
+              <a:rPr lang="en-US" dirty="0"/>
               <a:t>Routing</a:t>
             </a:r>
           </a:p>
           <a:p>
             <a:r>
-              <a:rPr lang="en-US" dirty="0" smtClean="0"/>
+              <a:rPr lang="en-US" dirty="0"/>
               <a:t>Model View Whatever</a:t>
             </a:r>
           </a:p>
           <a:p>
             <a:r>
-              <a:rPr lang="en-US" dirty="0" smtClean="0"/>
+              <a:rPr lang="en-US" dirty="0"/>
               <a:t>Dependency Injection</a:t>
             </a:r>
-            <a:endParaRPr lang="en-US" dirty="0"/>
           </a:p>
         </p:txBody>
       </p:sp>
@@ -7452,13 +8164,6 @@
   <p:clrMapOvr>
     <a:masterClrMapping/>
   </p:clrMapOvr>
-  <p:timing>
-    <p:tnLst>
-      <p:par>
-        <p:cTn id="1" dur="indefinite" restart="never" nodeType="tmRoot"/>
-      </p:par>
-    </p:tnLst>
-  </p:timing>
 </p:sld>
 </file>
 
@@ -7500,10 +8205,9 @@
           <a:lstStyle/>
           <a:p>
             <a:r>
-              <a:rPr lang="en-US" dirty="0" smtClean="0"/>
+              <a:rPr lang="en-US" dirty="0"/>
               <a:t>Basic Structure of an AngularJS App</a:t>
             </a:r>
-            <a:endParaRPr lang="en-US" dirty="0"/>
           </a:p>
         </p:txBody>
       </p:sp>
@@ -7533,11 +8237,11 @@
               <a:buNone/>
             </a:pPr>
             <a:r>
-              <a:rPr lang="en-US" dirty="0" smtClean="0"/>
+              <a:rPr lang="en-US" dirty="0"/>
               <a:t>&lt;html </a:t>
             </a:r>
             <a:r>
-              <a:rPr lang="en-US" b="1" dirty="0" smtClean="0"/>
+              <a:rPr lang="en-US" b="1" dirty="0"/>
               <a:t>ng-app=“app”&gt;</a:t>
             </a:r>
           </a:p>
@@ -7546,7 +8250,7 @@
               <a:buNone/>
             </a:pPr>
             <a:r>
-              <a:rPr lang="en-US" dirty="0" smtClean="0"/>
+              <a:rPr lang="en-US" dirty="0"/>
               <a:t>	&lt;head&gt;</a:t>
             </a:r>
           </a:p>
@@ -7556,31 +8260,15 @@
             </a:pPr>
             <a:r>
               <a:rPr lang="en-US" dirty="0"/>
-              <a:t>	</a:t>
-            </a:r>
-            <a:r>
-              <a:rPr lang="en-US" dirty="0" smtClean="0"/>
-              <a:t>	&lt;</a:t>
-            </a:r>
-            <a:r>
-              <a:rPr lang="en-US" dirty="0"/>
-              <a:t>script </a:t>
+              <a:t>		&lt;script </a:t>
             </a:r>
             <a:r>
               <a:rPr lang="en-US" dirty="0" err="1"/>
               <a:t>src</a:t>
             </a:r>
             <a:r>
-              <a:rPr lang="en-US" dirty="0" smtClean="0"/>
-              <a:t>=“path/to/angular.min.js</a:t>
-            </a:r>
-            <a:r>
               <a:rPr lang="en-US" dirty="0"/>
-              <a:t>"&gt;&lt;/script</a:t>
-            </a:r>
-            <a:r>
-              <a:rPr lang="en-US" dirty="0" smtClean="0"/>
-              <a:t>&gt;</a:t>
+              <a:t>=“path/to/angular.min.js"&gt;&lt;/script&gt;</a:t>
             </a:r>
           </a:p>
           <a:p>
@@ -7589,15 +8277,7 @@
             </a:pPr>
             <a:r>
               <a:rPr lang="en-US" dirty="0"/>
-              <a:t>	</a:t>
-            </a:r>
-            <a:r>
-              <a:rPr lang="en-US" dirty="0" smtClean="0"/>
-              <a:t>	&lt;</a:t>
-            </a:r>
-            <a:r>
-              <a:rPr lang="en-US" dirty="0"/>
-              <a:t>script </a:t>
+              <a:t>		&lt;script </a:t>
             </a:r>
             <a:r>
               <a:rPr lang="en-US" dirty="0" err="1"/>
@@ -7613,12 +8293,8 @@
               <a:buNone/>
             </a:pPr>
             <a:r>
-              <a:rPr lang="en-US" dirty="0" smtClean="0"/>
-              <a:t>		&lt;</a:t>
-            </a:r>
-            <a:r>
               <a:rPr lang="en-US" dirty="0"/>
-              <a:t>script </a:t>
+              <a:t>		&lt;script </a:t>
             </a:r>
             <a:r>
               <a:rPr lang="en-US" dirty="0" err="1"/>
@@ -7634,12 +8310,8 @@
               <a:buNone/>
             </a:pPr>
             <a:r>
-              <a:rPr lang="en-US" dirty="0" smtClean="0"/>
-              <a:t>		&lt;</a:t>
-            </a:r>
-            <a:r>
               <a:rPr lang="en-US" dirty="0"/>
-              <a:t>script </a:t>
+              <a:t>		&lt;script </a:t>
             </a:r>
             <a:r>
               <a:rPr lang="en-US" dirty="0" err="1"/>
@@ -7655,12 +8327,8 @@
               <a:buNone/>
             </a:pPr>
             <a:r>
-              <a:rPr lang="en-US" dirty="0" smtClean="0"/>
-              <a:t>		&lt;</a:t>
-            </a:r>
-            <a:r>
               <a:rPr lang="en-US" dirty="0"/>
-              <a:t>script </a:t>
+              <a:t>		&lt;script </a:t>
             </a:r>
             <a:r>
               <a:rPr lang="en-US" dirty="0" err="1"/>
@@ -7676,12 +8344,8 @@
               <a:buNone/>
             </a:pPr>
             <a:r>
-              <a:rPr lang="en-US" dirty="0" smtClean="0"/>
-              <a:t>		&lt;</a:t>
-            </a:r>
-            <a:r>
               <a:rPr lang="en-US" dirty="0"/>
-              <a:t>script </a:t>
+              <a:t>		&lt;script </a:t>
             </a:r>
             <a:r>
               <a:rPr lang="en-US" dirty="0" err="1"/>
@@ -7689,13 +8353,8 @@
             </a:r>
             <a:r>
               <a:rPr lang="en-US" dirty="0"/>
-              <a:t>="app/app.js"&gt;&lt;/script</a:t>
-            </a:r>
-            <a:r>
-              <a:rPr lang="en-US" dirty="0" smtClean="0"/>
-              <a:t>&gt;</a:t>
-            </a:r>
-            <a:endParaRPr lang="en-US" dirty="0"/>
+              <a:t>="app/app.js"&gt;&lt;/script&gt;</a:t>
+            </a:r>
           </a:p>
           <a:p>
             <a:pPr marL="0" indent="0">
@@ -7703,11 +8362,7 @@
             </a:pPr>
             <a:r>
               <a:rPr lang="en-US" dirty="0"/>
-              <a:t>	</a:t>
-            </a:r>
-            <a:r>
-              <a:rPr lang="en-US" dirty="0" smtClean="0"/>
-              <a:t>&lt;/head&gt;</a:t>
+              <a:t>	&lt;/head&gt;</a:t>
             </a:r>
           </a:p>
           <a:p>
@@ -7716,11 +8371,7 @@
             </a:pPr>
             <a:r>
               <a:rPr lang="en-US" dirty="0"/>
-              <a:t>	</a:t>
-            </a:r>
-            <a:r>
-              <a:rPr lang="en-US" dirty="0" smtClean="0"/>
-              <a:t>&lt;body&gt;</a:t>
+              <a:t>	&lt;body&gt;</a:t>
             </a:r>
           </a:p>
           <a:p>
@@ -7729,26 +8380,22 @@
             </a:pPr>
             <a:r>
               <a:rPr lang="en-US" dirty="0"/>
-              <a:t>	</a:t>
-            </a:r>
-            <a:r>
-              <a:rPr lang="en-US" dirty="0" smtClean="0"/>
-              <a:t>	&lt;div </a:t>
-            </a:r>
-            <a:r>
-              <a:rPr lang="en-US" dirty="0" err="1" smtClean="0"/>
+              <a:t>		&lt;div </a:t>
+            </a:r>
+            <a:r>
+              <a:rPr lang="en-US" dirty="0" err="1"/>
               <a:t>ui</a:t>
             </a:r>
             <a:r>
-              <a:rPr lang="en-US" dirty="0" smtClean="0"/>
+              <a:rPr lang="en-US" dirty="0"/>
               <a:t>-view&gt;&lt;/div&gt;	// If you’re using UI Router ($</a:t>
             </a:r>
             <a:r>
-              <a:rPr lang="en-US" dirty="0" err="1" smtClean="0"/>
+              <a:rPr lang="en-US" dirty="0" err="1"/>
               <a:t>stateProvider</a:t>
             </a:r>
             <a:r>
-              <a:rPr lang="en-US" dirty="0" smtClean="0"/>
+              <a:rPr lang="en-US" dirty="0"/>
               <a:t>)</a:t>
             </a:r>
           </a:p>
@@ -7758,11 +8405,7 @@
             </a:pPr>
             <a:r>
               <a:rPr lang="en-US" dirty="0"/>
-              <a:t>	</a:t>
-            </a:r>
-            <a:r>
-              <a:rPr lang="en-US" dirty="0" smtClean="0"/>
-              <a:t>&lt;/body&gt;</a:t>
+              <a:t>	&lt;/body&gt;</a:t>
             </a:r>
           </a:p>
           <a:p>
@@ -7770,7 +8413,7 @@
               <a:buNone/>
             </a:pPr>
             <a:r>
-              <a:rPr lang="en-US" dirty="0" smtClean="0"/>
+              <a:rPr lang="en-US" dirty="0"/>
               <a:t>&lt;/html&gt;</a:t>
             </a:r>
           </a:p>
@@ -7786,13 +8429,6 @@
   <p:clrMapOvr>
     <a:masterClrMapping/>
   </p:clrMapOvr>
-  <p:timing>
-    <p:tnLst>
-      <p:par>
-        <p:cTn id="1" dur="indefinite" restart="never" nodeType="tmRoot"/>
-      </p:par>
-    </p:tnLst>
-  </p:timing>
 </p:sld>
 </file>
 
@@ -7829,10 +8465,9 @@
           <a:lstStyle/>
           <a:p>
             <a:r>
-              <a:rPr lang="en-US" dirty="0" smtClean="0"/>
+              <a:rPr lang="en-US" dirty="0"/>
               <a:t>How to create a controller</a:t>
             </a:r>
-            <a:endParaRPr lang="en-US" dirty="0"/>
           </a:p>
         </p:txBody>
       </p:sp>
@@ -7862,7 +8497,7 @@
               <a:buNone/>
             </a:pPr>
             <a:r>
-              <a:rPr lang="en-US" sz="2600" b="1" dirty="0" smtClean="0"/>
+              <a:rPr lang="en-US" sz="2600" b="1" dirty="0"/>
               <a:t>angular</a:t>
             </a:r>
           </a:p>
@@ -7872,26 +8507,22 @@
             </a:pPr>
             <a:r>
               <a:rPr lang="en-US" sz="2600" dirty="0"/>
-              <a:t>	</a:t>
-            </a:r>
-            <a:r>
-              <a:rPr lang="en-US" sz="2600" dirty="0" smtClean="0"/>
-              <a:t>.</a:t>
-            </a:r>
-            <a:r>
-              <a:rPr lang="en-US" sz="2600" b="1" dirty="0" smtClean="0"/>
+              <a:t>	.</a:t>
+            </a:r>
+            <a:r>
+              <a:rPr lang="en-US" sz="2600" b="1" dirty="0"/>
               <a:t>module</a:t>
             </a:r>
             <a:r>
-              <a:rPr lang="en-US" sz="2600" dirty="0" smtClean="0"/>
+              <a:rPr lang="en-US" sz="2600" dirty="0"/>
               <a:t>(‘&lt;</a:t>
             </a:r>
             <a:r>
-              <a:rPr lang="en-US" sz="2600" dirty="0" err="1" smtClean="0"/>
+              <a:rPr lang="en-US" sz="2600" dirty="0" err="1"/>
               <a:t>module_name</a:t>
             </a:r>
             <a:r>
-              <a:rPr lang="en-US" sz="2600" dirty="0" smtClean="0"/>
+              <a:rPr lang="en-US" sz="2600" dirty="0"/>
               <a:t>&gt;’, [&lt;dependencies&gt;])</a:t>
             </a:r>
           </a:p>
@@ -7901,34 +8532,30 @@
             </a:pPr>
             <a:r>
               <a:rPr lang="en-US" sz="2600" dirty="0"/>
-              <a:t>	</a:t>
-            </a:r>
-            <a:r>
-              <a:rPr lang="en-US" sz="2600" dirty="0" smtClean="0"/>
-              <a:t>.</a:t>
-            </a:r>
-            <a:r>
-              <a:rPr lang="en-US" sz="2600" b="1" dirty="0" smtClean="0"/>
+              <a:t>	.</a:t>
+            </a:r>
+            <a:r>
+              <a:rPr lang="en-US" sz="2600" b="1" dirty="0"/>
               <a:t>controller</a:t>
             </a:r>
             <a:r>
-              <a:rPr lang="en-US" sz="2600" dirty="0" smtClean="0"/>
+              <a:rPr lang="en-US" sz="2600" dirty="0"/>
               <a:t>(‘&lt; </a:t>
             </a:r>
             <a:r>
-              <a:rPr lang="en-US" sz="2600" dirty="0" err="1" smtClean="0"/>
+              <a:rPr lang="en-US" sz="2600" dirty="0" err="1"/>
               <a:t>ctrl_name</a:t>
             </a:r>
             <a:r>
-              <a:rPr lang="en-US" sz="2600" dirty="0" smtClean="0"/>
+              <a:rPr lang="en-US" sz="2600" dirty="0"/>
               <a:t>&gt;’, function &lt;</a:t>
             </a:r>
             <a:r>
-              <a:rPr lang="en-US" sz="2600" dirty="0" err="1" smtClean="0"/>
+              <a:rPr lang="en-US" sz="2600" dirty="0" err="1"/>
               <a:t>ctrl_name</a:t>
             </a:r>
             <a:r>
-              <a:rPr lang="en-US" sz="2600" dirty="0" smtClean="0"/>
+              <a:rPr lang="en-US" sz="2600" dirty="0"/>
               <a:t>&gt;(&lt;dependencies&gt;) {</a:t>
             </a:r>
           </a:p>
@@ -7938,11 +8565,7 @@
             </a:pPr>
             <a:r>
               <a:rPr lang="en-US" sz="2600" dirty="0"/>
-              <a:t>	</a:t>
-            </a:r>
-            <a:r>
-              <a:rPr lang="en-US" sz="2600" dirty="0" smtClean="0"/>
-              <a:t>	// Implementation</a:t>
+              <a:t>		// Implementation</a:t>
             </a:r>
           </a:p>
           <a:p>
@@ -7951,11 +8574,7 @@
             </a:pPr>
             <a:r>
               <a:rPr lang="en-US" sz="2600" dirty="0"/>
-              <a:t>	</a:t>
-            </a:r>
-            <a:r>
-              <a:rPr lang="en-US" sz="2600" dirty="0" smtClean="0"/>
-              <a:t>});</a:t>
+              <a:t>	});</a:t>
             </a:r>
           </a:p>
         </p:txBody>
@@ -7970,13 +8589,6 @@
   <p:clrMapOvr>
     <a:masterClrMapping/>
   </p:clrMapOvr>
-  <p:timing>
-    <p:tnLst>
-      <p:par>
-        <p:cTn id="1" dur="indefinite" restart="never" nodeType="tmRoot"/>
-      </p:par>
-    </p:tnLst>
-  </p:timing>
 </p:sld>
 </file>
 
@@ -8013,10 +8625,9 @@
           <a:lstStyle/>
           <a:p>
             <a:r>
-              <a:rPr lang="en-US" dirty="0" smtClean="0"/>
+              <a:rPr lang="en-US" dirty="0"/>
               <a:t>Example – Creating a Controller</a:t>
             </a:r>
-            <a:endParaRPr lang="en-US" dirty="0"/>
           </a:p>
         </p:txBody>
       </p:sp>
@@ -8047,11 +8658,7 @@
             </a:pPr>
             <a:r>
               <a:rPr lang="en-US" sz="2800" dirty="0"/>
-              <a:t>a</a:t>
-            </a:r>
-            <a:r>
-              <a:rPr lang="en-US" sz="2800" dirty="0" smtClean="0"/>
-              <a:t>ngular</a:t>
+              <a:t>angular</a:t>
             </a:r>
           </a:p>
           <a:p>
@@ -8060,15 +8667,7 @@
             </a:pPr>
             <a:r>
               <a:rPr lang="en-US" sz="2800" dirty="0"/>
-              <a:t>	</a:t>
-            </a:r>
-            <a:r>
-              <a:rPr lang="en-US" sz="2800" dirty="0" smtClean="0"/>
-              <a:t>.</a:t>
-            </a:r>
-            <a:r>
-              <a:rPr lang="en-US" sz="2800" dirty="0"/>
-              <a:t>module('</a:t>
+              <a:t>	.module('</a:t>
             </a:r>
             <a:r>
               <a:rPr lang="en-US" sz="2800" b="1" dirty="0" err="1"/>
@@ -8076,25 +8675,16 @@
             </a:r>
             <a:r>
               <a:rPr lang="en-US" sz="2800" dirty="0"/>
-              <a:t>', </a:t>
-            </a:r>
-            <a:r>
-              <a:rPr lang="en-US" sz="2800" dirty="0" smtClean="0"/>
-              <a:t>[])</a:t>
-            </a:r>
-            <a:endParaRPr lang="en-US" sz="2800" dirty="0"/>
+              <a:t>', [])</a:t>
+            </a:r>
           </a:p>
           <a:p>
             <a:pPr marL="0" indent="0">
               <a:buNone/>
             </a:pPr>
             <a:r>
-              <a:rPr lang="en-US" sz="2800" dirty="0" smtClean="0"/>
-              <a:t>	.</a:t>
-            </a:r>
-            <a:r>
               <a:rPr lang="en-US" sz="2800" dirty="0"/>
-              <a:t>controller(</a:t>
+              <a:t>	.controller(</a:t>
             </a:r>
             <a:r>
               <a:rPr lang="en-US" sz="2800" b="1" dirty="0"/>
@@ -8118,11 +8708,7 @@
             </a:r>
             <a:r>
               <a:rPr lang="en-US" sz="2800" dirty="0"/>
-              <a:t>) </a:t>
-            </a:r>
-            <a:r>
-              <a:rPr lang="en-US" sz="2800" dirty="0" smtClean="0"/>
-              <a:t>{</a:t>
+              <a:t>) {</a:t>
             </a:r>
           </a:p>
           <a:p>
@@ -8130,15 +8716,15 @@
               <a:buNone/>
             </a:pPr>
             <a:r>
-              <a:rPr lang="en-US" sz="2800" dirty="0" smtClean="0"/>
+              <a:rPr lang="en-US" sz="2800" dirty="0"/>
               <a:t>		$</a:t>
             </a:r>
             <a:r>
-              <a:rPr lang="en-US" sz="2800" dirty="0" err="1" smtClean="0"/>
+              <a:rPr lang="en-US" sz="2800" dirty="0" err="1"/>
               <a:t>scope.text</a:t>
             </a:r>
             <a:r>
-              <a:rPr lang="en-US" sz="2800" dirty="0" smtClean="0"/>
+              <a:rPr lang="en-US" sz="2800" dirty="0"/>
               <a:t> = ‘Hello World’;</a:t>
             </a:r>
           </a:p>
@@ -8148,13 +8734,8 @@
             </a:pPr>
             <a:r>
               <a:rPr lang="en-US" sz="2800" dirty="0"/>
-              <a:t>	</a:t>
-            </a:r>
-            <a:r>
-              <a:rPr lang="en-US" sz="2800" dirty="0" smtClean="0"/>
-              <a:t>});</a:t>
-            </a:r>
-            <a:endParaRPr lang="en-US" sz="2800" dirty="0"/>
+              <a:t>	});</a:t>
+            </a:r>
           </a:p>
           <a:p>
             <a:endParaRPr lang="en-US" sz="2800" dirty="0"/>
@@ -8171,13 +8752,6 @@
   <p:clrMapOvr>
     <a:masterClrMapping/>
   </p:clrMapOvr>
-  <p:timing>
-    <p:tnLst>
-      <p:par>
-        <p:cTn id="1" dur="indefinite" restart="never" nodeType="tmRoot"/>
-      </p:par>
-    </p:tnLst>
-  </p:timing>
 </p:sld>
 </file>
 
@@ -8214,18 +8788,17 @@
           <a:lstStyle/>
           <a:p>
             <a:r>
-              <a:rPr lang="en-US" dirty="0" smtClean="0"/>
+              <a:rPr lang="en-US" dirty="0"/>
               <a:t>Routing using UI Router ($</a:t>
             </a:r>
             <a:r>
-              <a:rPr lang="en-US" dirty="0" err="1" smtClean="0"/>
+              <a:rPr lang="en-US" dirty="0" err="1"/>
               <a:t>stateProvider</a:t>
             </a:r>
             <a:r>
-              <a:rPr lang="en-US" dirty="0" smtClean="0"/>
+              <a:rPr lang="en-US" dirty="0"/>
               <a:t>)</a:t>
             </a:r>
-            <a:endParaRPr lang="en-US" dirty="0"/>
           </a:p>
         </p:txBody>
       </p:sp>
@@ -8245,56 +8818,51 @@
           <a:lstStyle/>
           <a:p>
             <a:r>
-              <a:rPr lang="en-US" dirty="0" smtClean="0"/>
+              <a:rPr lang="en-US" dirty="0"/>
               <a:t>There are many ways to handle the routes in AngularJS</a:t>
             </a:r>
           </a:p>
           <a:p>
             <a:pPr lvl="1"/>
             <a:r>
-              <a:rPr lang="en-US" dirty="0" smtClean="0"/>
+              <a:rPr lang="en-US" dirty="0"/>
               <a:t>$</a:t>
             </a:r>
             <a:r>
-              <a:rPr lang="en-US" dirty="0" err="1" smtClean="0"/>
+              <a:rPr lang="en-US" dirty="0" err="1"/>
               <a:t>urlRouterProvider</a:t>
             </a:r>
-            <a:endParaRPr lang="en-US" dirty="0" smtClean="0"/>
+            <a:endParaRPr lang="en-US" dirty="0"/>
           </a:p>
           <a:p>
             <a:pPr lvl="1"/>
             <a:r>
-              <a:rPr lang="en-US" dirty="0" smtClean="0"/>
+              <a:rPr lang="en-US" dirty="0"/>
               <a:t>$</a:t>
             </a:r>
             <a:r>
-              <a:rPr lang="en-US" dirty="0" err="1" smtClean="0"/>
+              <a:rPr lang="en-US" dirty="0" err="1"/>
               <a:t>routeProvider</a:t>
             </a:r>
-            <a:endParaRPr lang="en-US" dirty="0" smtClean="0"/>
+            <a:endParaRPr lang="en-US" dirty="0"/>
           </a:p>
           <a:p>
             <a:pPr lvl="1"/>
             <a:r>
-              <a:rPr lang="en-US" dirty="0" smtClean="0"/>
+              <a:rPr lang="en-US" dirty="0"/>
               <a:t>$</a:t>
             </a:r>
             <a:r>
-              <a:rPr lang="en-US" dirty="0" err="1" smtClean="0"/>
+              <a:rPr lang="en-US" dirty="0" err="1"/>
               <a:t>stateProvider</a:t>
             </a:r>
-            <a:endParaRPr lang="en-US" dirty="0" smtClean="0"/>
+            <a:endParaRPr lang="en-US" dirty="0"/>
           </a:p>
           <a:p>
             <a:r>
               <a:rPr lang="en-US" dirty="0"/>
-              <a:t>B</a:t>
-            </a:r>
-            <a:r>
-              <a:rPr lang="en-US" dirty="0" smtClean="0"/>
-              <a:t>ut for this presentation, we’ll be using UI Router</a:t>
-            </a:r>
-            <a:endParaRPr lang="en-US" dirty="0"/>
+              <a:t>But for this presentation, we’ll be using UI Router</a:t>
+            </a:r>
           </a:p>
         </p:txBody>
       </p:sp>
@@ -8308,13 +8876,6 @@
   <p:clrMapOvr>
     <a:masterClrMapping/>
   </p:clrMapOvr>
-  <p:timing>
-    <p:tnLst>
-      <p:par>
-        <p:cTn id="1" dur="indefinite" restart="never" nodeType="tmRoot"/>
-      </p:par>
-    </p:tnLst>
-  </p:timing>
 </p:sld>
 </file>
 
@@ -8351,18 +8912,17 @@
           <a:lstStyle/>
           <a:p>
             <a:r>
-              <a:rPr lang="en-US" dirty="0" smtClean="0"/>
+              <a:rPr lang="en-US" dirty="0"/>
               <a:t>How to create and use the UI Router ($</a:t>
             </a:r>
             <a:r>
-              <a:rPr lang="en-US" dirty="0" err="1" smtClean="0"/>
+              <a:rPr lang="en-US" dirty="0" err="1"/>
               <a:t>stateProvider</a:t>
             </a:r>
             <a:r>
-              <a:rPr lang="en-US" dirty="0" smtClean="0"/>
+              <a:rPr lang="en-US" dirty="0"/>
               <a:t>)</a:t>
             </a:r>
-            <a:endParaRPr lang="en-US" dirty="0"/>
           </a:p>
         </p:txBody>
       </p:sp>
@@ -8387,7 +8947,7 @@
               <a:buNone/>
             </a:pPr>
             <a:r>
-              <a:rPr lang="en-US" dirty="0" smtClean="0"/>
+              <a:rPr lang="en-US" dirty="0"/>
               <a:t>angular</a:t>
             </a:r>
           </a:p>
@@ -8397,18 +8957,14 @@
             </a:pPr>
             <a:r>
               <a:rPr lang="en-US" dirty="0"/>
-              <a:t>	</a:t>
-            </a:r>
-            <a:r>
-              <a:rPr lang="en-US" dirty="0" smtClean="0"/>
-              <a:t>.module(‘routes’, [‘</a:t>
-            </a:r>
-            <a:r>
-              <a:rPr lang="en-US" dirty="0" err="1" smtClean="0"/>
+              <a:t>	.module(‘routes’, [‘</a:t>
+            </a:r>
+            <a:r>
+              <a:rPr lang="en-US" dirty="0" err="1"/>
               <a:t>ui.router</a:t>
             </a:r>
             <a:r>
-              <a:rPr lang="en-US" dirty="0" smtClean="0"/>
+              <a:rPr lang="en-US" dirty="0"/>
               <a:t>’])</a:t>
             </a:r>
           </a:p>
@@ -8418,26 +8974,22 @@
             </a:pPr>
             <a:r>
               <a:rPr lang="en-US" dirty="0"/>
-              <a:t>	</a:t>
-            </a:r>
-            <a:r>
-              <a:rPr lang="en-US" dirty="0" smtClean="0"/>
-              <a:t>.</a:t>
-            </a:r>
-            <a:r>
-              <a:rPr lang="en-US" dirty="0" err="1" smtClean="0"/>
+              <a:t>	.</a:t>
+            </a:r>
+            <a:r>
+              <a:rPr lang="en-US" dirty="0" err="1"/>
               <a:t>config</a:t>
             </a:r>
             <a:r>
-              <a:rPr lang="en-US" dirty="0" smtClean="0"/>
+              <a:rPr lang="en-US" dirty="0"/>
               <a:t>(function($</a:t>
             </a:r>
             <a:r>
-              <a:rPr lang="en-US" dirty="0" err="1" smtClean="0"/>
+              <a:rPr lang="en-US" dirty="0" err="1"/>
               <a:t>stateProvider</a:t>
             </a:r>
             <a:r>
-              <a:rPr lang="en-US" dirty="0" smtClean="0"/>
+              <a:rPr lang="en-US" dirty="0"/>
               <a:t>) {</a:t>
             </a:r>
           </a:p>
@@ -8446,18 +8998,18 @@
               <a:buNone/>
             </a:pPr>
             <a:r>
-              <a:rPr lang="en-US" dirty="0" smtClean="0"/>
+              <a:rPr lang="en-US" dirty="0"/>
               <a:t>		</a:t>
             </a:r>
             <a:r>
-              <a:rPr lang="en-US" b="1" dirty="0" smtClean="0"/>
+              <a:rPr lang="en-US" b="1" dirty="0"/>
               <a:t>$</a:t>
             </a:r>
             <a:r>
-              <a:rPr lang="en-US" b="1" dirty="0" err="1" smtClean="0"/>
+              <a:rPr lang="en-US" b="1" dirty="0" err="1"/>
               <a:t>stateProvider</a:t>
             </a:r>
-            <a:endParaRPr lang="en-US" b="1" dirty="0" smtClean="0"/>
+            <a:endParaRPr lang="en-US" b="1" dirty="0"/>
           </a:p>
           <a:p>
             <a:pPr marL="0" indent="0">
@@ -8465,18 +9017,14 @@
             </a:pPr>
             <a:r>
               <a:rPr lang="en-US" dirty="0"/>
-              <a:t>	</a:t>
-            </a:r>
-            <a:r>
-              <a:rPr lang="en-US" dirty="0" smtClean="0"/>
-              <a:t>		.</a:t>
-            </a:r>
-            <a:r>
-              <a:rPr lang="en-US" b="1" dirty="0" smtClean="0"/>
+              <a:t>			.</a:t>
+            </a:r>
+            <a:r>
+              <a:rPr lang="en-US" b="1" dirty="0"/>
               <a:t>state</a:t>
             </a:r>
             <a:r>
-              <a:rPr lang="en-US" dirty="0" smtClean="0"/>
+              <a:rPr lang="en-US" dirty="0"/>
               <a:t>(‘home’, {</a:t>
             </a:r>
           </a:p>
@@ -8486,18 +9034,14 @@
             </a:pPr>
             <a:r>
               <a:rPr lang="en-US" dirty="0"/>
-              <a:t>	</a:t>
-            </a:r>
-            <a:r>
-              <a:rPr lang="en-US" dirty="0" smtClean="0"/>
-              <a:t>			</a:t>
-            </a:r>
-            <a:r>
-              <a:rPr lang="en-US" b="1" dirty="0" smtClean="0"/>
+              <a:t>				</a:t>
+            </a:r>
+            <a:r>
+              <a:rPr lang="en-US" b="1" dirty="0"/>
               <a:t>url</a:t>
             </a:r>
             <a:r>
-              <a:rPr lang="en-US" dirty="0" smtClean="0"/>
+              <a:rPr lang="en-US" dirty="0"/>
               <a:t>: ‘/home’,</a:t>
             </a:r>
           </a:p>
@@ -8507,18 +9051,14 @@
             </a:pPr>
             <a:r>
               <a:rPr lang="en-US" dirty="0"/>
-              <a:t>	</a:t>
-            </a:r>
-            <a:r>
-              <a:rPr lang="en-US" dirty="0" smtClean="0"/>
-              <a:t>			</a:t>
-            </a:r>
-            <a:r>
-              <a:rPr lang="en-US" b="1" dirty="0" smtClean="0"/>
+              <a:t>				</a:t>
+            </a:r>
+            <a:r>
+              <a:rPr lang="en-US" b="1" dirty="0"/>
               <a:t>template</a:t>
             </a:r>
             <a:r>
-              <a:rPr lang="en-US" dirty="0" smtClean="0"/>
+              <a:rPr lang="en-US" dirty="0"/>
               <a:t>: ‘&lt;div&gt;Hello World&lt;/div&gt;’,</a:t>
             </a:r>
           </a:p>
@@ -8528,36 +9068,31 @@
             </a:pPr>
             <a:r>
               <a:rPr lang="en-US" dirty="0"/>
-              <a:t>	</a:t>
-            </a:r>
-            <a:r>
-              <a:rPr lang="en-US" dirty="0" smtClean="0"/>
-              <a:t>			</a:t>
-            </a:r>
-            <a:r>
-              <a:rPr lang="en-US" b="1" dirty="0" smtClean="0"/>
+              <a:t>				</a:t>
+            </a:r>
+            <a:r>
+              <a:rPr lang="en-US" b="1" dirty="0"/>
               <a:t>controller</a:t>
             </a:r>
             <a:r>
-              <a:rPr lang="en-US" dirty="0" smtClean="0"/>
+              <a:rPr lang="en-US" dirty="0"/>
               <a:t>: ‘</a:t>
             </a:r>
             <a:r>
-              <a:rPr lang="en-US" dirty="0" err="1" smtClean="0"/>
+              <a:rPr lang="en-US" dirty="0" err="1"/>
               <a:t>HomeController</a:t>
             </a:r>
             <a:r>
-              <a:rPr lang="en-US" dirty="0" smtClean="0"/>
+              <a:rPr lang="en-US" dirty="0"/>
               <a:t>’</a:t>
             </a:r>
-            <a:endParaRPr lang="en-US" dirty="0"/>
           </a:p>
           <a:p>
             <a:pPr marL="0" indent="0">
               <a:buNone/>
             </a:pPr>
             <a:r>
-              <a:rPr lang="en-US" dirty="0" smtClean="0"/>
+              <a:rPr lang="en-US" dirty="0"/>
               <a:t>			})</a:t>
             </a:r>
           </a:p>
@@ -8567,13 +9102,8 @@
             </a:pPr>
             <a:r>
               <a:rPr lang="en-US" dirty="0"/>
-              <a:t>	</a:t>
-            </a:r>
-            <a:r>
-              <a:rPr lang="en-US" dirty="0" smtClean="0"/>
-              <a:t>});	// URL would be: “http://localhost:port/home</a:t>
-            </a:r>
-            <a:endParaRPr lang="en-US" dirty="0"/>
+              <a:t>	});	// URL would be: “http://localhost:port/home</a:t>
+            </a:r>
           </a:p>
         </p:txBody>
       </p:sp>
@@ -8587,13 +9117,6 @@
   <p:clrMapOvr>
     <a:masterClrMapping/>
   </p:clrMapOvr>
-  <p:timing>
-    <p:tnLst>
-      <p:par>
-        <p:cTn id="1" dur="indefinite" restart="never" nodeType="tmRoot"/>
-      </p:par>
-    </p:tnLst>
-  </p:timing>
 </p:sld>
 </file>
 
@@ -8630,10 +9153,9 @@
           <a:lstStyle/>
           <a:p>
             <a:r>
-              <a:rPr lang="en-US" dirty="0" smtClean="0"/>
+              <a:rPr lang="en-US" dirty="0"/>
               <a:t>2-Way Data-Binding</a:t>
             </a:r>
-            <a:endParaRPr lang="en-US" dirty="0"/>
           </a:p>
         </p:txBody>
       </p:sp>
@@ -8653,23 +9175,22 @@
           <a:lstStyle/>
           <a:p>
             <a:r>
-              <a:rPr lang="en-US" dirty="0" smtClean="0"/>
+              <a:rPr lang="en-US" dirty="0"/>
               <a:t>Is the automatic synchronization of data between the model and view components.</a:t>
             </a:r>
           </a:p>
           <a:p>
             <a:r>
-              <a:rPr lang="en-US" dirty="0" smtClean="0"/>
+              <a:rPr lang="en-US" dirty="0"/>
               <a:t>The view is a projection of the model at all times.</a:t>
             </a:r>
           </a:p>
           <a:p>
             <a:pPr lvl="1"/>
             <a:r>
-              <a:rPr lang="en-US" dirty="0" smtClean="0"/>
+              <a:rPr lang="en-US" dirty="0"/>
               <a:t>When the model changes, the view reflects the change, and vice versa.</a:t>
             </a:r>
-            <a:endParaRPr lang="en-US" dirty="0"/>
           </a:p>
         </p:txBody>
       </p:sp>
@@ -8683,20 +9204,13 @@
   <p:clrMapOvr>
     <a:masterClrMapping/>
   </p:clrMapOvr>
-  <p:timing>
-    <p:tnLst>
-      <p:par>
-        <p:cTn id="1" dur="indefinite" restart="never" nodeType="tmRoot"/>
-      </p:par>
-    </p:tnLst>
-  </p:timing>
 </p:sld>
 </file>
 
 <file path=ppt/theme/theme1.xml><?xml version="1.0" encoding="utf-8"?>
 <a:theme xmlns:a="http://schemas.openxmlformats.org/drawingml/2006/main" name="Ion">
   <a:themeElements>
-    <a:clrScheme name="Ion">
+    <a:clrScheme name="Blue Green">
       <a:dk1>
         <a:sysClr val="windowText" lastClr="000000"/>
       </a:dk1>
@@ -8704,34 +9218,34 @@
         <a:sysClr val="window" lastClr="FFFFFF"/>
       </a:lt1>
       <a:dk2>
-        <a:srgbClr val="EE5818"/>
+        <a:srgbClr val="373545"/>
       </a:dk2>
       <a:lt2>
-        <a:srgbClr val="EBEBEB"/>
+        <a:srgbClr val="CEDBE6"/>
       </a:lt2>
       <a:accent1>
-        <a:srgbClr val="F5A408"/>
+        <a:srgbClr val="3494BA"/>
       </a:accent1>
       <a:accent2>
-        <a:srgbClr val="FA731A"/>
+        <a:srgbClr val="58B6C0"/>
       </a:accent2>
       <a:accent3>
-        <a:srgbClr val="AB9281"/>
+        <a:srgbClr val="75BDA7"/>
       </a:accent3>
       <a:accent4>
-        <a:srgbClr val="A18CD0"/>
+        <a:srgbClr val="7A8C8E"/>
       </a:accent4>
       <a:accent5>
-        <a:srgbClr val="8EBBD2"/>
+        <a:srgbClr val="84ACB6"/>
       </a:accent5>
       <a:accent6>
-        <a:srgbClr val="ACC995"/>
+        <a:srgbClr val="2683C6"/>
       </a:accent6>
       <a:hlink>
-        <a:srgbClr val="FAC96A"/>
+        <a:srgbClr val="6B9F25"/>
       </a:hlink>
       <a:folHlink>
-        <a:srgbClr val="FCDB9B"/>
+        <a:srgbClr val="9F6715"/>
       </a:folHlink>
     </a:clrScheme>
     <a:fontScheme name="Ion">

--- a/AngularJS-Slides.pptx
+++ b/AngularJS-Slides.pptx
@@ -211,7 +211,7 @@
           <a:p>
             <a:fld id="{693ACBCC-B31F-4CF7-BF0C-1CF0E128AD0A}" type="datetimeFigureOut">
               <a:rPr lang="en-US" smtClean="0"/>
-              <a:t>3/20/2017</a:t>
+              <a:t>4/11/2017</a:t>
             </a:fld>
             <a:endParaRPr lang="en-US"/>
           </a:p>
@@ -947,7 +947,6 @@
               <a:rPr lang="en-US" dirty="0"/>
               <a:t>https://blog.thoughtram.io/angular/2015/07/07/service-vs-factory-once-and-for-all.html</a:t>
             </a:r>
-            <a:endParaRPr lang="en-US" dirty="0"/>
           </a:p>
         </p:txBody>
       </p:sp>
@@ -1380,7 +1379,7 @@
           <a:p>
             <a:fld id="{2D466799-D915-407B-B733-1CF49555FADD}" type="datetimeFigureOut">
               <a:rPr lang="en-US" smtClean="0"/>
-              <a:t>3/20/2017</a:t>
+              <a:t>4/11/2017</a:t>
             </a:fld>
             <a:endParaRPr lang="en-US"/>
           </a:p>
@@ -1574,7 +1573,7 @@
           <a:p>
             <a:fld id="{2D466799-D915-407B-B733-1CF49555FADD}" type="datetimeFigureOut">
               <a:rPr lang="en-US" smtClean="0"/>
-              <a:t>3/20/2017</a:t>
+              <a:t>4/11/2017</a:t>
             </a:fld>
             <a:endParaRPr lang="en-US"/>
           </a:p>
@@ -1842,7 +1841,7 @@
           <a:p>
             <a:fld id="{2D466799-D915-407B-B733-1CF49555FADD}" type="datetimeFigureOut">
               <a:rPr lang="en-US" smtClean="0"/>
-              <a:t>3/20/2017</a:t>
+              <a:t>4/11/2017</a:t>
             </a:fld>
             <a:endParaRPr lang="en-US"/>
           </a:p>
@@ -2174,7 +2173,7 @@
           <a:p>
             <a:fld id="{2D466799-D915-407B-B733-1CF49555FADD}" type="datetimeFigureOut">
               <a:rPr lang="en-US" smtClean="0"/>
-              <a:t>3/20/2017</a:t>
+              <a:t>4/11/2017</a:t>
             </a:fld>
             <a:endParaRPr lang="en-US"/>
           </a:p>
@@ -2784,7 +2783,7 @@
           <a:p>
             <a:fld id="{2D466799-D915-407B-B733-1CF49555FADD}" type="datetimeFigureOut">
               <a:rPr lang="en-US" smtClean="0"/>
-              <a:t>3/20/2017</a:t>
+              <a:t>4/11/2017</a:t>
             </a:fld>
             <a:endParaRPr lang="en-US"/>
           </a:p>
@@ -3631,7 +3630,7 @@
           <a:p>
             <a:fld id="{2D466799-D915-407B-B733-1CF49555FADD}" type="datetimeFigureOut">
               <a:rPr lang="en-US" smtClean="0"/>
-              <a:t>3/20/2017</a:t>
+              <a:t>4/11/2017</a:t>
             </a:fld>
             <a:endParaRPr lang="en-US"/>
           </a:p>
@@ -3801,7 +3800,7 @@
           <a:p>
             <a:fld id="{2D466799-D915-407B-B733-1CF49555FADD}" type="datetimeFigureOut">
               <a:rPr lang="en-US" smtClean="0"/>
-              <a:t>3/20/2017</a:t>
+              <a:t>4/11/2017</a:t>
             </a:fld>
             <a:endParaRPr lang="en-US"/>
           </a:p>
@@ -3981,7 +3980,7 @@
           <a:p>
             <a:fld id="{2D466799-D915-407B-B733-1CF49555FADD}" type="datetimeFigureOut">
               <a:rPr lang="en-US" smtClean="0"/>
-              <a:t>3/20/2017</a:t>
+              <a:t>4/11/2017</a:t>
             </a:fld>
             <a:endParaRPr lang="en-US"/>
           </a:p>
@@ -4587,7 +4586,7 @@
           <a:p>
             <a:fld id="{2D466799-D915-407B-B733-1CF49555FADD}" type="datetimeFigureOut">
               <a:rPr lang="en-US" smtClean="0"/>
-              <a:t>3/20/2017</a:t>
+              <a:t>4/11/2017</a:t>
             </a:fld>
             <a:endParaRPr lang="en-US"/>
           </a:p>
@@ -5025,7 +5024,7 @@
           <a:p>
             <a:fld id="{2D466799-D915-407B-B733-1CF49555FADD}" type="datetimeFigureOut">
               <a:rPr lang="en-US" smtClean="0"/>
-              <a:t>3/20/2017</a:t>
+              <a:t>4/11/2017</a:t>
             </a:fld>
             <a:endParaRPr lang="en-US"/>
           </a:p>
@@ -5143,7 +5142,7 @@
           <a:p>
             <a:fld id="{2D466799-D915-407B-B733-1CF49555FADD}" type="datetimeFigureOut">
               <a:rPr lang="en-US" smtClean="0"/>
-              <a:t>3/20/2017</a:t>
+              <a:t>4/11/2017</a:t>
             </a:fld>
             <a:endParaRPr lang="en-US"/>
           </a:p>
@@ -5238,7 +5237,7 @@
           <a:p>
             <a:fld id="{2D466799-D915-407B-B733-1CF49555FADD}" type="datetimeFigureOut">
               <a:rPr lang="en-US" smtClean="0"/>
-              <a:t>3/20/2017</a:t>
+              <a:t>4/11/2017</a:t>
             </a:fld>
             <a:endParaRPr lang="en-US"/>
           </a:p>
@@ -5517,7 +5516,7 @@
           <a:p>
             <a:fld id="{2D466799-D915-407B-B733-1CF49555FADD}" type="datetimeFigureOut">
               <a:rPr lang="en-US" smtClean="0"/>
-              <a:t>3/20/2017</a:t>
+              <a:t>4/11/2017</a:t>
             </a:fld>
             <a:endParaRPr lang="en-US"/>
           </a:p>
@@ -5792,7 +5791,7 @@
           <a:p>
             <a:fld id="{2D466799-D915-407B-B733-1CF49555FADD}" type="datetimeFigureOut">
               <a:rPr lang="en-US" smtClean="0"/>
-              <a:t>3/20/2017</a:t>
+              <a:t>4/11/2017</a:t>
             </a:fld>
             <a:endParaRPr lang="en-US"/>
           </a:p>
@@ -6221,7 +6220,7 @@
           <a:p>
             <a:fld id="{2D466799-D915-407B-B733-1CF49555FADD}" type="datetimeFigureOut">
               <a:rPr lang="en-US" smtClean="0"/>
-              <a:t>3/20/2017</a:t>
+              <a:t>4/11/2017</a:t>
             </a:fld>
             <a:endParaRPr lang="en-US"/>
           </a:p>
@@ -7797,7 +7796,6 @@
               <a:rPr lang="en-US" sz="2400" dirty="0"/>
               <a:t>});</a:t>
             </a:r>
-            <a:endParaRPr lang="en-US" sz="2400" dirty="0"/>
           </a:p>
         </p:txBody>
       </p:sp>
@@ -7848,15 +7846,15 @@
           <a:p>
             <a:r>
               <a:rPr lang="en-US" dirty="0"/>
-              <a:t>So what is the </a:t>
-            </a:r>
-            <a:r>
-              <a:rPr lang="en-US" dirty="0" err="1"/>
-              <a:t>differene</a:t>
+              <a:t>So what is </a:t>
+            </a:r>
+            <a:r>
+              <a:rPr lang="en-US"/>
+              <a:t>the difference </a:t>
             </a:r>
             <a:r>
               <a:rPr lang="en-US" dirty="0"/>
-              <a:t> between a service and a factory?</a:t>
+              <a:t>between a service and a factory?</a:t>
             </a:r>
           </a:p>
         </p:txBody>
@@ -7895,13 +7893,8 @@
           <a:p>
             <a:r>
               <a:rPr lang="en-US" dirty="0"/>
-              <a:t>A </a:t>
-            </a:r>
-            <a:r>
-              <a:rPr lang="en-US" dirty="0"/>
-              <a:t>factory function is really just a function that gets called, which is why we have to return an object explicitly.</a:t>
-            </a:r>
-            <a:endParaRPr lang="en-US" dirty="0"/>
+              <a:t>A factory function is just a function that gets called, which is why we have to return an object explicitly.</a:t>
+            </a:r>
           </a:p>
         </p:txBody>
       </p:sp>
